--- a/reference_material/slides/018_Hypothesis_Test.pptx
+++ b/reference_material/slides/018_Hypothesis_Test.pptx
@@ -5,27 +5,28 @@
     <p:sldMasterId id="2147483660" r:id="rId1"/>
   </p:sldMasterIdLst>
   <p:notesMasterIdLst>
-    <p:notesMasterId r:id="rId20"/>
+    <p:notesMasterId r:id="rId21"/>
   </p:notesMasterIdLst>
   <p:sldIdLst>
-    <p:sldId id="256" r:id="rId2"/>
-    <p:sldId id="257" r:id="rId3"/>
-    <p:sldId id="264" r:id="rId4"/>
-    <p:sldId id="262" r:id="rId5"/>
-    <p:sldId id="270" r:id="rId6"/>
-    <p:sldId id="272" r:id="rId7"/>
-    <p:sldId id="268" r:id="rId8"/>
-    <p:sldId id="263" r:id="rId9"/>
-    <p:sldId id="269" r:id="rId10"/>
-    <p:sldId id="265" r:id="rId11"/>
-    <p:sldId id="271" r:id="rId12"/>
-    <p:sldId id="266" r:id="rId13"/>
-    <p:sldId id="267" r:id="rId14"/>
-    <p:sldId id="273" r:id="rId15"/>
-    <p:sldId id="258" r:id="rId16"/>
-    <p:sldId id="259" r:id="rId17"/>
-    <p:sldId id="260" r:id="rId18"/>
-    <p:sldId id="261" r:id="rId19"/>
+    <p:sldId id="274" r:id="rId2"/>
+    <p:sldId id="256" r:id="rId3"/>
+    <p:sldId id="257" r:id="rId4"/>
+    <p:sldId id="264" r:id="rId5"/>
+    <p:sldId id="262" r:id="rId6"/>
+    <p:sldId id="270" r:id="rId7"/>
+    <p:sldId id="272" r:id="rId8"/>
+    <p:sldId id="268" r:id="rId9"/>
+    <p:sldId id="263" r:id="rId10"/>
+    <p:sldId id="269" r:id="rId11"/>
+    <p:sldId id="265" r:id="rId12"/>
+    <p:sldId id="271" r:id="rId13"/>
+    <p:sldId id="266" r:id="rId14"/>
+    <p:sldId id="267" r:id="rId15"/>
+    <p:sldId id="273" r:id="rId16"/>
+    <p:sldId id="258" r:id="rId17"/>
+    <p:sldId id="259" r:id="rId18"/>
+    <p:sldId id="260" r:id="rId19"/>
+    <p:sldId id="261" r:id="rId20"/>
   </p:sldIdLst>
   <p:sldSz cx="12192000" cy="6858000"/>
   <p:notesSz cx="6858000" cy="9144000"/>
@@ -124,6 +125,11 @@
       </a:defRPr>
     </a:lvl9pPr>
   </p:defaultTextStyle>
+  <p:extLst>
+    <p:ext uri="{EFAFB233-063F-42B5-8137-9DF3F51BA10A}">
+      <p15:sldGuideLst xmlns:p15="http://schemas.microsoft.com/office/powerpoint/2012/main"/>
+    </p:ext>
+  </p:extLst>
 </p:presentation>
 </file>
 
@@ -217,7 +223,7 @@
           <a:p>
             <a:fld id="{F9CDC526-F730-724D-AA0D-326EFC56D561}" type="datetimeFigureOut">
               <a:rPr lang="en-US" smtClean="0"/>
-              <a:t>10/29/21</a:t>
+              <a:t>10/26/22</a:t>
             </a:fld>
             <a:endParaRPr lang="en-US"/>
           </a:p>
@@ -568,7 +574,7 @@
           <a:p>
             <a:fld id="{E36F3295-E463-C64D-A388-E45D36324975}" type="slidenum">
               <a:rPr lang="en-US" smtClean="0"/>
-              <a:t>16</a:t>
+              <a:t>17</a:t>
             </a:fld>
             <a:endParaRPr lang="en-US"/>
           </a:p>
@@ -726,7 +732,7 @@
           <a:p>
             <a:fld id="{B2D8FCA8-E96D-1F41-985D-25A168D67D2E}" type="datetimeFigureOut">
               <a:rPr lang="en-US" smtClean="0"/>
-              <a:t>10/29/21</a:t>
+              <a:t>10/26/22</a:t>
             </a:fld>
             <a:endParaRPr lang="en-US"/>
           </a:p>
@@ -937,7 +943,7 @@
           <a:p>
             <a:fld id="{B2D8FCA8-E96D-1F41-985D-25A168D67D2E}" type="datetimeFigureOut">
               <a:rPr lang="en-US" smtClean="0"/>
-              <a:t>10/29/21</a:t>
+              <a:t>10/26/22</a:t>
             </a:fld>
             <a:endParaRPr lang="en-US"/>
           </a:p>
@@ -1152,7 +1158,7 @@
           <a:p>
             <a:fld id="{B2D8FCA8-E96D-1F41-985D-25A168D67D2E}" type="datetimeFigureOut">
               <a:rPr lang="en-US" smtClean="0"/>
-              <a:t>10/29/21</a:t>
+              <a:t>10/26/22</a:t>
             </a:fld>
             <a:endParaRPr lang="en-US"/>
           </a:p>
@@ -1353,7 +1359,7 @@
           <a:p>
             <a:fld id="{B2D8FCA8-E96D-1F41-985D-25A168D67D2E}" type="datetimeFigureOut">
               <a:rPr lang="en-US" smtClean="0"/>
-              <a:t>10/29/21</a:t>
+              <a:t>10/26/22</a:t>
             </a:fld>
             <a:endParaRPr lang="en-US"/>
           </a:p>
@@ -1632,7 +1638,7 @@
           <a:p>
             <a:fld id="{B2D8FCA8-E96D-1F41-985D-25A168D67D2E}" type="datetimeFigureOut">
               <a:rPr lang="en-US" smtClean="0"/>
-              <a:t>10/29/21</a:t>
+              <a:t>10/26/22</a:t>
             </a:fld>
             <a:endParaRPr lang="en-US"/>
           </a:p>
@@ -1900,7 +1906,7 @@
           <a:p>
             <a:fld id="{B2D8FCA8-E96D-1F41-985D-25A168D67D2E}" type="datetimeFigureOut">
               <a:rPr lang="en-US" smtClean="0"/>
-              <a:t>10/29/21</a:t>
+              <a:t>10/26/22</a:t>
             </a:fld>
             <a:endParaRPr lang="en-US"/>
           </a:p>
@@ -2316,7 +2322,7 @@
           <a:p>
             <a:fld id="{B2D8FCA8-E96D-1F41-985D-25A168D67D2E}" type="datetimeFigureOut">
               <a:rPr lang="en-US" smtClean="0"/>
-              <a:t>10/29/21</a:t>
+              <a:t>10/26/22</a:t>
             </a:fld>
             <a:endParaRPr lang="en-US"/>
           </a:p>
@@ -2465,7 +2471,7 @@
           <a:p>
             <a:fld id="{B2D8FCA8-E96D-1F41-985D-25A168D67D2E}" type="datetimeFigureOut">
               <a:rPr lang="en-US" smtClean="0"/>
-              <a:t>10/29/21</a:t>
+              <a:t>10/26/22</a:t>
             </a:fld>
             <a:endParaRPr lang="en-US"/>
           </a:p>
@@ -2591,7 +2597,7 @@
           <a:p>
             <a:fld id="{B2D8FCA8-E96D-1F41-985D-25A168D67D2E}" type="datetimeFigureOut">
               <a:rPr lang="en-US" smtClean="0"/>
-              <a:t>10/29/21</a:t>
+              <a:t>10/26/22</a:t>
             </a:fld>
             <a:endParaRPr lang="en-US"/>
           </a:p>
@@ -2842,7 +2848,7 @@
           <a:p>
             <a:fld id="{B2D8FCA8-E96D-1F41-985D-25A168D67D2E}" type="datetimeFigureOut">
               <a:rPr lang="en-US" smtClean="0"/>
-              <a:t>10/29/21</a:t>
+              <a:t>10/26/22</a:t>
             </a:fld>
             <a:endParaRPr lang="en-US"/>
           </a:p>
@@ -3287,7 +3293,7 @@
           <a:p>
             <a:fld id="{B2D8FCA8-E96D-1F41-985D-25A168D67D2E}" type="datetimeFigureOut">
               <a:rPr lang="en-US" smtClean="0"/>
-              <a:t>10/29/21</a:t>
+              <a:t>10/26/22</a:t>
             </a:fld>
             <a:endParaRPr lang="en-US"/>
           </a:p>
@@ -3614,7 +3620,7 @@
           <a:p>
             <a:fld id="{B2D8FCA8-E96D-1F41-985D-25A168D67D2E}" type="datetimeFigureOut">
               <a:rPr lang="en-US" smtClean="0"/>
-              <a:t>10/29/21</a:t>
+              <a:t>10/26/22</a:t>
             </a:fld>
             <a:endParaRPr lang="en-US"/>
           </a:p>
@@ -4105,7 +4111,7 @@
           <p:cNvPr id="2" name="Title 1">
             <a:extLst>
               <a:ext uri="{FF2B5EF4-FFF2-40B4-BE49-F238E27FC236}">
-                <a16:creationId xmlns:a16="http://schemas.microsoft.com/office/drawing/2014/main" id="{3FFFB92D-D5B7-5C46-859A-480D5C8782A5}"/>
+                <a16:creationId xmlns:a16="http://schemas.microsoft.com/office/drawing/2014/main" id="{AC3B9CDF-EFA5-1EEC-025C-66087F9C02F8}"/>
               </a:ext>
             </a:extLst>
           </p:cNvPr>
@@ -4113,7 +4119,7 @@
             <a:spLocks noGrp="1"/>
           </p:cNvSpPr>
           <p:nvPr>
-            <p:ph type="ctrTitle"/>
+            <p:ph type="title"/>
           </p:nvPr>
         </p:nvSpPr>
         <p:spPr/>
@@ -4123,17 +4129,17 @@
           <a:p>
             <a:r>
               <a:rPr lang="en-US" dirty="0"/>
-              <a:t>Hypothesis Testing Part 1</a:t>
-            </a:r>
-          </a:p>
-        </p:txBody>
-      </p:sp>
-      <p:sp>
-        <p:nvSpPr>
-          <p:cNvPr id="3" name="Subtitle 2">
+              <a:t>Housekeeping:</a:t>
+            </a:r>
+          </a:p>
+        </p:txBody>
+      </p:sp>
+      <p:sp>
+        <p:nvSpPr>
+          <p:cNvPr id="3" name="Content Placeholder 2">
             <a:extLst>
               <a:ext uri="{FF2B5EF4-FFF2-40B4-BE49-F238E27FC236}">
-                <a16:creationId xmlns:a16="http://schemas.microsoft.com/office/drawing/2014/main" id="{584CDFCE-A045-3745-9428-AAC7367486DC}"/>
+                <a16:creationId xmlns:a16="http://schemas.microsoft.com/office/drawing/2014/main" id="{D13F83CA-0EE3-BB5B-E653-DC3E53702C1A}"/>
               </a:ext>
             </a:extLst>
           </p:cNvPr>
@@ -4141,7 +4147,7 @@
             <a:spLocks noGrp="1"/>
           </p:cNvSpPr>
           <p:nvPr>
-            <p:ph type="subTitle" idx="1"/>
+            <p:ph idx="1"/>
           </p:nvPr>
         </p:nvSpPr>
         <p:spPr/>
@@ -4151,15 +4157,50 @@
           <a:p>
             <a:r>
               <a:rPr lang="en-US" dirty="0"/>
-              <a:t>Does it Matter?</a:t>
-            </a:r>
+              <a:t>Assignment – date extended to Monday, noon. </a:t>
+            </a:r>
+          </a:p>
+          <a:p>
+            <a:r>
+              <a:rPr lang="en-US" dirty="0"/>
+              <a:t>Quiz – We can do it on the 11</a:t>
+            </a:r>
+            <a:r>
+              <a:rPr lang="en-US" baseline="30000" dirty="0"/>
+              <a:t>th</a:t>
+            </a:r>
+            <a:r>
+              <a:rPr lang="en-US" dirty="0"/>
+              <a:t> , let me know if that poses a problem. </a:t>
+            </a:r>
+          </a:p>
+          <a:p>
+            <a:pPr lvl="1"/>
+            <a:r>
+              <a:rPr lang="en-US" dirty="0"/>
+              <a:t>Estimating and testing. </a:t>
+            </a:r>
+          </a:p>
+          <a:p>
+            <a:r>
+              <a:rPr lang="en-US" dirty="0"/>
+              <a:t>Today:</a:t>
+            </a:r>
+          </a:p>
+          <a:p>
+            <a:pPr lvl="1"/>
+            <a:r>
+              <a:rPr lang="en-US"/>
+              <a:t>Hypothesis testing. </a:t>
+            </a:r>
+            <a:endParaRPr lang="en-US" dirty="0"/>
           </a:p>
         </p:txBody>
       </p:sp>
     </p:spTree>
     <p:extLst>
       <p:ext uri="{BB962C8B-B14F-4D97-AF65-F5344CB8AC3E}">
-        <p14:creationId xmlns:p14="http://schemas.microsoft.com/office/powerpoint/2010/main" val="2997218721"/>
+        <p14:creationId xmlns:p14="http://schemas.microsoft.com/office/powerpoint/2010/main" val="1578407356"/>
       </p:ext>
     </p:extLst>
   </p:cSld>
@@ -4188,6 +4229,205 @@
       </p:grpSpPr>
       <p:sp>
         <p:nvSpPr>
+          <p:cNvPr id="4" name="Title 3">
+            <a:extLst>
+              <a:ext uri="{FF2B5EF4-FFF2-40B4-BE49-F238E27FC236}">
+                <a16:creationId xmlns:a16="http://schemas.microsoft.com/office/drawing/2014/main" id="{93D8206E-559D-CE45-85C5-85695AB37A13}"/>
+              </a:ext>
+            </a:extLst>
+          </p:cNvPr>
+          <p:cNvSpPr>
+            <a:spLocks noGrp="1"/>
+          </p:cNvSpPr>
+          <p:nvPr>
+            <p:ph type="title"/>
+          </p:nvPr>
+        </p:nvSpPr>
+        <p:spPr/>
+        <p:txBody>
+          <a:bodyPr/>
+          <a:lstStyle/>
+          <a:p>
+            <a:endParaRPr lang="en-US"/>
+          </a:p>
+        </p:txBody>
+      </p:sp>
+      <p:sp>
+        <p:nvSpPr>
+          <p:cNvPr id="5" name="Content Placeholder 4">
+            <a:extLst>
+              <a:ext uri="{FF2B5EF4-FFF2-40B4-BE49-F238E27FC236}">
+                <a16:creationId xmlns:a16="http://schemas.microsoft.com/office/drawing/2014/main" id="{40E82067-9C80-8E4E-ABC3-85AB34A50B0A}"/>
+              </a:ext>
+            </a:extLst>
+          </p:cNvPr>
+          <p:cNvSpPr>
+            <a:spLocks noGrp="1"/>
+          </p:cNvSpPr>
+          <p:nvPr>
+            <p:ph sz="half" idx="1"/>
+          </p:nvPr>
+        </p:nvSpPr>
+        <p:spPr/>
+        <p:txBody>
+          <a:bodyPr/>
+          <a:lstStyle/>
+          <a:p>
+            <a:endParaRPr lang="en-US"/>
+          </a:p>
+        </p:txBody>
+      </p:sp>
+      <p:sp>
+        <p:nvSpPr>
+          <p:cNvPr id="6" name="Content Placeholder 5">
+            <a:extLst>
+              <a:ext uri="{FF2B5EF4-FFF2-40B4-BE49-F238E27FC236}">
+                <a16:creationId xmlns:a16="http://schemas.microsoft.com/office/drawing/2014/main" id="{9DFA7AFC-CBC7-3E4A-B817-222F190353DB}"/>
+              </a:ext>
+            </a:extLst>
+          </p:cNvPr>
+          <p:cNvSpPr>
+            <a:spLocks noGrp="1"/>
+          </p:cNvSpPr>
+          <p:nvPr>
+            <p:ph sz="half" idx="2"/>
+          </p:nvPr>
+        </p:nvSpPr>
+        <p:spPr/>
+        <p:txBody>
+          <a:bodyPr/>
+          <a:lstStyle/>
+          <a:p>
+            <a:endParaRPr lang="en-US"/>
+          </a:p>
+        </p:txBody>
+      </p:sp>
+      <p:pic>
+        <p:nvPicPr>
+          <p:cNvPr id="5122" name="Picture 2">
+            <a:extLst>
+              <a:ext uri="{FF2B5EF4-FFF2-40B4-BE49-F238E27FC236}">
+                <a16:creationId xmlns:a16="http://schemas.microsoft.com/office/drawing/2014/main" id="{C87F644B-A903-D247-8667-BB7C3B8C95CA}"/>
+              </a:ext>
+            </a:extLst>
+          </p:cNvPr>
+          <p:cNvPicPr>
+            <a:picLocks noChangeAspect="1" noChangeArrowheads="1"/>
+          </p:cNvPicPr>
+          <p:nvPr/>
+        </p:nvPicPr>
+        <p:blipFill>
+          <a:blip r:embed="rId2">
+            <a:extLst>
+              <a:ext uri="{28A0092B-C50C-407E-A947-70E740481C1C}">
+                <a14:useLocalDpi xmlns:a14="http://schemas.microsoft.com/office/drawing/2010/main" val="0"/>
+              </a:ext>
+            </a:extLst>
+          </a:blip>
+          <a:srcRect/>
+          <a:stretch>
+            <a:fillRect/>
+          </a:stretch>
+        </p:blipFill>
+        <p:spPr bwMode="auto">
+          <a:xfrm>
+            <a:off x="0" y="-241300"/>
+            <a:ext cx="7416800" cy="3670300"/>
+          </a:xfrm>
+          <a:prstGeom prst="rect">
+            <a:avLst/>
+          </a:prstGeom>
+          <a:noFill/>
+          <a:extLst>
+            <a:ext uri="{909E8E84-426E-40DD-AFC4-6F175D3DCCD1}">
+              <a14:hiddenFill xmlns:a14="http://schemas.microsoft.com/office/drawing/2010/main">
+                <a:solidFill>
+                  <a:srgbClr val="FFFFFF"/>
+                </a:solidFill>
+              </a14:hiddenFill>
+            </a:ext>
+          </a:extLst>
+        </p:spPr>
+      </p:pic>
+      <p:pic>
+        <p:nvPicPr>
+          <p:cNvPr id="5124" name="Picture 4">
+            <a:extLst>
+              <a:ext uri="{FF2B5EF4-FFF2-40B4-BE49-F238E27FC236}">
+                <a16:creationId xmlns:a16="http://schemas.microsoft.com/office/drawing/2014/main" id="{97187806-CB83-874B-8736-4A0895D65308}"/>
+              </a:ext>
+            </a:extLst>
+          </p:cNvPr>
+          <p:cNvPicPr>
+            <a:picLocks noChangeAspect="1" noChangeArrowheads="1"/>
+          </p:cNvPicPr>
+          <p:nvPr/>
+        </p:nvPicPr>
+        <p:blipFill>
+          <a:blip r:embed="rId3">
+            <a:extLst>
+              <a:ext uri="{28A0092B-C50C-407E-A947-70E740481C1C}">
+                <a14:useLocalDpi xmlns:a14="http://schemas.microsoft.com/office/drawing/2010/main" val="0"/>
+              </a:ext>
+            </a:extLst>
+          </a:blip>
+          <a:srcRect/>
+          <a:stretch>
+            <a:fillRect/>
+          </a:stretch>
+        </p:blipFill>
+        <p:spPr bwMode="auto">
+          <a:xfrm>
+            <a:off x="4675740" y="3165007"/>
+            <a:ext cx="7569200" cy="3657600"/>
+          </a:xfrm>
+          <a:prstGeom prst="rect">
+            <a:avLst/>
+          </a:prstGeom>
+          <a:noFill/>
+          <a:extLst>
+            <a:ext uri="{909E8E84-426E-40DD-AFC4-6F175D3DCCD1}">
+              <a14:hiddenFill xmlns:a14="http://schemas.microsoft.com/office/drawing/2010/main">
+                <a:solidFill>
+                  <a:srgbClr val="FFFFFF"/>
+                </a:solidFill>
+              </a14:hiddenFill>
+            </a:ext>
+          </a:extLst>
+        </p:spPr>
+      </p:pic>
+    </p:spTree>
+    <p:extLst>
+      <p:ext uri="{BB962C8B-B14F-4D97-AF65-F5344CB8AC3E}">
+        <p14:creationId xmlns:p14="http://schemas.microsoft.com/office/powerpoint/2010/main" val="3073410795"/>
+      </p:ext>
+    </p:extLst>
+  </p:cSld>
+  <p:clrMapOvr>
+    <a:masterClrMapping/>
+  </p:clrMapOvr>
+</p:sld>
+</file>
+
+<file path=ppt/slides/slide11.xml><?xml version="1.0" encoding="utf-8"?>
+<p:sld xmlns:a="http://schemas.openxmlformats.org/drawingml/2006/main" xmlns:r="http://schemas.openxmlformats.org/officeDocument/2006/relationships" xmlns:p="http://schemas.openxmlformats.org/presentationml/2006/main">
+  <p:cSld>
+    <p:spTree>
+      <p:nvGrpSpPr>
+        <p:cNvPr id="1" name=""/>
+        <p:cNvGrpSpPr/>
+        <p:nvPr/>
+      </p:nvGrpSpPr>
+      <p:grpSpPr>
+        <a:xfrm>
+          <a:off x="0" y="0"/>
+          <a:ext cx="0" cy="0"/>
+          <a:chOff x="0" y="0"/>
+          <a:chExt cx="0" cy="0"/>
+        </a:xfrm>
+      </p:grpSpPr>
+      <p:sp>
+        <p:nvSpPr>
           <p:cNvPr id="2" name="Title 1">
             <a:extLst>
               <a:ext uri="{FF2B5EF4-FFF2-40B4-BE49-F238E27FC236}">
@@ -4284,7 +4524,7 @@
 </p:sld>
 </file>
 
-<file path=ppt/slides/slide11.xml><?xml version="1.0" encoding="utf-8"?>
+<file path=ppt/slides/slide12.xml><?xml version="1.0" encoding="utf-8"?>
 <p:sld xmlns:a="http://schemas.openxmlformats.org/drawingml/2006/main" xmlns:r="http://schemas.openxmlformats.org/officeDocument/2006/relationships" xmlns:p="http://schemas.openxmlformats.org/presentationml/2006/main">
   <p:cSld>
     <p:bg>
@@ -4678,151 +4918,6 @@
 </p:sld>
 </file>
 
-<file path=ppt/slides/slide12.xml><?xml version="1.0" encoding="utf-8"?>
-<p:sld xmlns:a="http://schemas.openxmlformats.org/drawingml/2006/main" xmlns:r="http://schemas.openxmlformats.org/officeDocument/2006/relationships" xmlns:p="http://schemas.openxmlformats.org/presentationml/2006/main">
-  <p:cSld>
-    <p:spTree>
-      <p:nvGrpSpPr>
-        <p:cNvPr id="1" name=""/>
-        <p:cNvGrpSpPr/>
-        <p:nvPr/>
-      </p:nvGrpSpPr>
-      <p:grpSpPr>
-        <a:xfrm>
-          <a:off x="0" y="0"/>
-          <a:ext cx="0" cy="0"/>
-          <a:chOff x="0" y="0"/>
-          <a:chExt cx="0" cy="0"/>
-        </a:xfrm>
-      </p:grpSpPr>
-      <p:sp>
-        <p:nvSpPr>
-          <p:cNvPr id="2" name="Title 1">
-            <a:extLst>
-              <a:ext uri="{FF2B5EF4-FFF2-40B4-BE49-F238E27FC236}">
-                <a16:creationId xmlns:a16="http://schemas.microsoft.com/office/drawing/2014/main" id="{5F240032-86EE-D042-A41F-F73A666B9CB7}"/>
-              </a:ext>
-            </a:extLst>
-          </p:cNvPr>
-          <p:cNvSpPr>
-            <a:spLocks noGrp="1"/>
-          </p:cNvSpPr>
-          <p:nvPr>
-            <p:ph type="title"/>
-          </p:nvPr>
-        </p:nvSpPr>
-        <p:spPr/>
-        <p:txBody>
-          <a:bodyPr/>
-          <a:lstStyle/>
-          <a:p>
-            <a:r>
-              <a:rPr lang="en-US" dirty="0"/>
-              <a:t>Test Assumptions</a:t>
-            </a:r>
-          </a:p>
-        </p:txBody>
-      </p:sp>
-      <p:sp>
-        <p:nvSpPr>
-          <p:cNvPr id="3" name="Content Placeholder 2">
-            <a:extLst>
-              <a:ext uri="{FF2B5EF4-FFF2-40B4-BE49-F238E27FC236}">
-                <a16:creationId xmlns:a16="http://schemas.microsoft.com/office/drawing/2014/main" id="{38AA6E6A-2A74-D642-A764-13B0702EDB9D}"/>
-              </a:ext>
-            </a:extLst>
-          </p:cNvPr>
-          <p:cNvSpPr>
-            <a:spLocks noGrp="1"/>
-          </p:cNvSpPr>
-          <p:nvPr>
-            <p:ph idx="1"/>
-          </p:nvPr>
-        </p:nvSpPr>
-        <p:spPr>
-          <a:xfrm>
-            <a:off x="1451579" y="2015732"/>
-            <a:ext cx="9603275" cy="4171708"/>
-          </a:xfrm>
-        </p:spPr>
-        <p:txBody>
-          <a:bodyPr/>
-          <a:lstStyle/>
-          <a:p>
-            <a:r>
-              <a:rPr lang="en-US" dirty="0"/>
-              <a:t>Data is normally distributed. </a:t>
-            </a:r>
-          </a:p>
-          <a:p>
-            <a:pPr lvl="1"/>
-            <a:r>
-              <a:rPr lang="en-US" dirty="0"/>
-              <a:t>Central limit theorem (more on this later) – as you get more data, many things become more normal. </a:t>
-            </a:r>
-          </a:p>
-          <a:p>
-            <a:pPr lvl="1"/>
-            <a:r>
-              <a:rPr lang="en-US" dirty="0"/>
-              <a:t>Non-normal data can sometimes be transformed (e.g. log income from last week)</a:t>
-            </a:r>
-          </a:p>
-          <a:p>
-            <a:r>
-              <a:rPr lang="en-US" dirty="0"/>
-              <a:t>Equal variance:</a:t>
-            </a:r>
-          </a:p>
-          <a:p>
-            <a:pPr lvl="1"/>
-            <a:r>
-              <a:rPr lang="en-US" dirty="0"/>
-              <a:t>Argument in </a:t>
-            </a:r>
-            <a:r>
-              <a:rPr lang="en-US" dirty="0" err="1"/>
-              <a:t>scipy</a:t>
-            </a:r>
-            <a:r>
-              <a:rPr lang="en-US" dirty="0"/>
-              <a:t> t-test. </a:t>
-            </a:r>
-          </a:p>
-          <a:p>
-            <a:pPr lvl="1"/>
-            <a:r>
-              <a:rPr lang="en-US" dirty="0"/>
-              <a:t>Normal t-test assumes true, Welch’s does not. </a:t>
-            </a:r>
-          </a:p>
-          <a:p>
-            <a:r>
-              <a:rPr lang="en-US" dirty="0"/>
-              <a:t>Observations are independent. </a:t>
-            </a:r>
-          </a:p>
-          <a:p>
-            <a:r>
-              <a:rPr lang="en-US" dirty="0"/>
-              <a:t>No/minimal outliers. </a:t>
-            </a:r>
-          </a:p>
-        </p:txBody>
-      </p:sp>
-    </p:spTree>
-    <p:extLst>
-      <p:ext uri="{BB962C8B-B14F-4D97-AF65-F5344CB8AC3E}">
-        <p14:creationId xmlns:p14="http://schemas.microsoft.com/office/powerpoint/2010/main" val="3336447634"/>
-      </p:ext>
-    </p:extLst>
-  </p:cSld>
-  <p:clrMapOvr>
-    <a:masterClrMapping/>
-  </p:clrMapOvr>
-</p:sld>
-</file>
-
 <file path=ppt/slides/slide13.xml><?xml version="1.0" encoding="utf-8"?>
 <p:sld xmlns:a="http://schemas.openxmlformats.org/drawingml/2006/main" xmlns:r="http://schemas.openxmlformats.org/officeDocument/2006/relationships" xmlns:p="http://schemas.openxmlformats.org/presentationml/2006/main">
   <p:cSld>
@@ -4845,7 +4940,7 @@
           <p:cNvPr id="2" name="Title 1">
             <a:extLst>
               <a:ext uri="{FF2B5EF4-FFF2-40B4-BE49-F238E27FC236}">
-                <a16:creationId xmlns:a16="http://schemas.microsoft.com/office/drawing/2014/main" id="{C16DE78B-CAB7-B840-A8D2-2FF5E9523193}"/>
+                <a16:creationId xmlns:a16="http://schemas.microsoft.com/office/drawing/2014/main" id="{5F240032-86EE-D042-A41F-F73A666B9CB7}"/>
               </a:ext>
             </a:extLst>
           </p:cNvPr>
@@ -4863,8 +4958,13 @@
           <a:p>
             <a:r>
               <a:rPr lang="en-US" dirty="0"/>
-              <a:t>Other Tests</a:t>
-            </a:r>
+              <a:t>Test Assumptions – Parametric </a:t>
+            </a:r>
+            <a:r>
+              <a:rPr lang="en-US" dirty="0" err="1"/>
+              <a:t>TEst</a:t>
+            </a:r>
+            <a:endParaRPr lang="en-US" dirty="0"/>
           </a:p>
         </p:txBody>
       </p:sp>
@@ -4873,7 +4973,7 @@
           <p:cNvPr id="3" name="Content Placeholder 2">
             <a:extLst>
               <a:ext uri="{FF2B5EF4-FFF2-40B4-BE49-F238E27FC236}">
-                <a16:creationId xmlns:a16="http://schemas.microsoft.com/office/drawing/2014/main" id="{7F83A866-680A-0A46-BAC5-898B2DB87A2D}"/>
+                <a16:creationId xmlns:a16="http://schemas.microsoft.com/office/drawing/2014/main" id="{38AA6E6A-2A74-D642-A764-13B0702EDB9D}"/>
               </a:ext>
             </a:extLst>
           </p:cNvPr>
@@ -4884,55 +4984,98 @@
             <p:ph idx="1"/>
           </p:nvPr>
         </p:nvSpPr>
-        <p:spPr/>
-        <p:txBody>
-          <a:bodyPr/>
-          <a:lstStyle/>
-          <a:p>
-            <a:r>
-              <a:rPr lang="en-US" dirty="0"/>
-              <a:t>There are many other statistical tests that can be useful in other scenarios. </a:t>
-            </a:r>
-          </a:p>
-          <a:p>
-            <a:r>
-              <a:rPr lang="en-US" dirty="0"/>
-              <a:t>We can look one up based on our scenario, if needed. Some common ones:</a:t>
+        <p:spPr>
+          <a:xfrm>
+            <a:off x="1451579" y="2015732"/>
+            <a:ext cx="9603275" cy="4171708"/>
+          </a:xfrm>
+        </p:spPr>
+        <p:txBody>
+          <a:bodyPr>
+            <a:normAutofit lnSpcReduction="10000"/>
+          </a:bodyPr>
+          <a:lstStyle/>
+          <a:p>
+            <a:r>
+              <a:rPr lang="en-US" dirty="0"/>
+              <a:t>Data is normally distributed. </a:t>
             </a:r>
           </a:p>
           <a:p>
             <a:pPr lvl="1"/>
             <a:r>
               <a:rPr lang="en-US" dirty="0"/>
-              <a:t>ANOVA (analysis of variance) – Test means of 3+ groups. </a:t>
+              <a:t>Central limit theorem (more on this later) – as you get more data, samples of many things become more normal. </a:t>
             </a:r>
           </a:p>
           <a:p>
             <a:pPr lvl="1"/>
             <a:r>
               <a:rPr lang="en-US" dirty="0"/>
-              <a:t>Mann-Whitney – T-test equivalent with no assumption of distributions. </a:t>
+              <a:t>Non-normal data can sometimes be transformed (e.g. log income from last week)</a:t>
+            </a:r>
+          </a:p>
+          <a:p>
+            <a:r>
+              <a:rPr lang="en-US" dirty="0"/>
+              <a:t>Equal variance:</a:t>
             </a:r>
           </a:p>
           <a:p>
             <a:pPr lvl="1"/>
-            <a:endParaRPr lang="en-US" dirty="0"/>
-          </a:p>
-          <a:p>
-            <a:r>
-              <a:rPr lang="en-US" dirty="0"/>
-              <a:t>Application to ML – can test if an individual variable/feature matters to a model. </a:t>
-            </a:r>
-          </a:p>
-          <a:p>
-            <a:endParaRPr lang="en-US" dirty="0"/>
+            <a:r>
+              <a:rPr lang="en-US" dirty="0"/>
+              <a:t>Argument in </a:t>
+            </a:r>
+            <a:r>
+              <a:rPr lang="en-US" dirty="0" err="1"/>
+              <a:t>scipy</a:t>
+            </a:r>
+            <a:r>
+              <a:rPr lang="en-US" dirty="0"/>
+              <a:t> t-test. </a:t>
+            </a:r>
+          </a:p>
+          <a:p>
+            <a:pPr lvl="1"/>
+            <a:r>
+              <a:rPr lang="en-US" dirty="0"/>
+              <a:t>Normal t-test assumes true, Welch’s does not. </a:t>
+            </a:r>
+          </a:p>
+          <a:p>
+            <a:r>
+              <a:rPr lang="en-US" dirty="0"/>
+              <a:t>Observations are independent. </a:t>
+            </a:r>
+          </a:p>
+          <a:p>
+            <a:r>
+              <a:rPr lang="en-US" dirty="0"/>
+              <a:t>No/minimal outliers. </a:t>
+            </a:r>
+          </a:p>
+          <a:p>
+            <a:pPr lvl="1"/>
+            <a:r>
+              <a:rPr lang="en-US" dirty="0"/>
+              <a:t>There’s a “trim” option to take out outliers in the </a:t>
+            </a:r>
+            <a:r>
+              <a:rPr lang="en-US" dirty="0" err="1"/>
+              <a:t>scipy</a:t>
+            </a:r>
+            <a:r>
+              <a:rPr lang="en-US" dirty="0"/>
+              <a:t> stuff. </a:t>
+            </a:r>
           </a:p>
         </p:txBody>
       </p:sp>
     </p:spTree>
     <p:extLst>
       <p:ext uri="{BB962C8B-B14F-4D97-AF65-F5344CB8AC3E}">
-        <p14:creationId xmlns:p14="http://schemas.microsoft.com/office/powerpoint/2010/main" val="1530674256"/>
+        <p14:creationId xmlns:p14="http://schemas.microsoft.com/office/powerpoint/2010/main" val="3336447634"/>
       </p:ext>
     </p:extLst>
   </p:cSld>
@@ -4945,30 +5088,6 @@
 <file path=ppt/slides/slide14.xml><?xml version="1.0" encoding="utf-8"?>
 <p:sld xmlns:a="http://schemas.openxmlformats.org/drawingml/2006/main" xmlns:r="http://schemas.openxmlformats.org/officeDocument/2006/relationships" xmlns:p="http://schemas.openxmlformats.org/presentationml/2006/main">
   <p:cSld>
-    <p:bg>
-      <p:bgPr>
-        <a:gradFill rotWithShape="1">
-          <a:gsLst>
-            <a:gs pos="0">
-              <a:schemeClr val="bg2">
-                <a:tint val="94000"/>
-                <a:satMod val="80000"/>
-                <a:lumMod val="106000"/>
-              </a:schemeClr>
-            </a:gs>
-            <a:gs pos="100000">
-              <a:schemeClr val="bg2">
-                <a:shade val="80000"/>
-              </a:schemeClr>
-            </a:gs>
-          </a:gsLst>
-          <a:path path="circle">
-            <a:fillToRect l="43000" r="43000" b="100000"/>
-          </a:path>
-        </a:gradFill>
-        <a:effectLst/>
-      </p:bgPr>
-    </p:bg>
     <p:spTree>
       <p:nvGrpSpPr>
         <p:cNvPr id="1" name=""/>
@@ -4988,7 +5107,7 @@
           <p:cNvPr id="2" name="Title 1">
             <a:extLst>
               <a:ext uri="{FF2B5EF4-FFF2-40B4-BE49-F238E27FC236}">
-                <a16:creationId xmlns:a16="http://schemas.microsoft.com/office/drawing/2014/main" id="{D6A034D5-E952-294B-AC81-5584708DAFFB}"/>
+                <a16:creationId xmlns:a16="http://schemas.microsoft.com/office/drawing/2014/main" id="{C16DE78B-CAB7-B840-A8D2-2FF5E9523193}"/>
               </a:ext>
             </a:extLst>
           </p:cNvPr>
@@ -4999,80 +5118,27 @@
             <p:ph type="title"/>
           </p:nvPr>
         </p:nvSpPr>
-        <p:spPr>
-          <a:xfrm>
-            <a:off x="1451579" y="804519"/>
-            <a:ext cx="9603275" cy="1049235"/>
-          </a:xfrm>
-        </p:spPr>
-        <p:txBody>
-          <a:bodyPr>
-            <a:normAutofit/>
-          </a:bodyPr>
-          <a:lstStyle/>
-          <a:p>
-            <a:r>
-              <a:rPr lang="en-US" dirty="0"/>
-              <a:t>Demise of Hypothesis Testing</a:t>
-            </a:r>
-          </a:p>
-        </p:txBody>
-      </p:sp>
-      <p:pic>
-        <p:nvPicPr>
-          <p:cNvPr id="8194" name="Picture 2" descr="Graphical user interface, text, application, email&#10;&#10;Description automatically generated">
+        <p:spPr/>
+        <p:txBody>
+          <a:bodyPr/>
+          <a:lstStyle/>
+          <a:p>
+            <a:r>
+              <a:rPr lang="en-US" dirty="0"/>
+              <a:t>Other Tests</a:t>
+            </a:r>
+          </a:p>
+        </p:txBody>
+      </p:sp>
+      <p:sp>
+        <p:nvSpPr>
+          <p:cNvPr id="3" name="Content Placeholder 2">
             <a:extLst>
               <a:ext uri="{FF2B5EF4-FFF2-40B4-BE49-F238E27FC236}">
-                <a16:creationId xmlns:a16="http://schemas.microsoft.com/office/drawing/2014/main" id="{843CC31A-A8D8-D94B-BE98-048586839791}"/>
+                <a16:creationId xmlns:a16="http://schemas.microsoft.com/office/drawing/2014/main" id="{7F83A866-680A-0A46-BAC5-898B2DB87A2D}"/>
               </a:ext>
             </a:extLst>
           </p:cNvPr>
-          <p:cNvPicPr>
-            <a:picLocks noChangeAspect="1" noChangeArrowheads="1"/>
-          </p:cNvPicPr>
-          <p:nvPr/>
-        </p:nvPicPr>
-        <p:blipFill>
-          <a:blip r:embed="rId2">
-            <a:extLst>
-              <a:ext uri="{28A0092B-C50C-407E-A947-70E740481C1C}">
-                <a14:useLocalDpi xmlns:a14="http://schemas.microsoft.com/office/drawing/2010/main" val="0"/>
-              </a:ext>
-            </a:extLst>
-          </a:blip>
-          <a:stretch>
-            <a:fillRect/>
-          </a:stretch>
-        </p:blipFill>
-        <p:spPr bwMode="auto">
-          <a:xfrm>
-            <a:off x="191739" y="2111065"/>
-            <a:ext cx="6038708" cy="2979095"/>
-          </a:xfrm>
-          <a:prstGeom prst="rect">
-            <a:avLst/>
-          </a:prstGeom>
-          <a:noFill/>
-          <a:extLst>
-            <a:ext uri="{909E8E84-426E-40DD-AFC4-6F175D3DCCD1}">
-              <a14:hiddenFill xmlns:a14="http://schemas.microsoft.com/office/drawing/2010/main">
-                <a:solidFill>
-                  <a:srgbClr val="FFFFFF"/>
-                </a:solidFill>
-              </a14:hiddenFill>
-            </a:ext>
-          </a:extLst>
-        </p:spPr>
-      </p:pic>
-      <p:sp>
-        <p:nvSpPr>
-          <p:cNvPr id="3" name="Content Placeholder 2">
-            <a:extLst>
-              <a:ext uri="{FF2B5EF4-FFF2-40B4-BE49-F238E27FC236}">
-                <a16:creationId xmlns:a16="http://schemas.microsoft.com/office/drawing/2014/main" id="{F7E53707-A64A-6E40-9F66-E23093385A9E}"/>
-              </a:ext>
-            </a:extLst>
-          </p:cNvPr>
           <p:cNvSpPr>
             <a:spLocks noGrp="1"/>
           </p:cNvSpPr>
@@ -5080,130 +5146,55 @@
             <p:ph idx="1"/>
           </p:nvPr>
         </p:nvSpPr>
-        <p:spPr>
-          <a:xfrm>
-            <a:off x="6370321" y="2015733"/>
-            <a:ext cx="5212080" cy="4037747"/>
-          </a:xfrm>
-        </p:spPr>
-        <p:txBody>
-          <a:bodyPr>
-            <a:normAutofit/>
-          </a:bodyPr>
-          <a:lstStyle/>
-          <a:p>
-            <a:pPr>
-              <a:lnSpc>
-                <a:spcPct val="110000"/>
-              </a:lnSpc>
-            </a:pPr>
-            <a:r>
-              <a:rPr lang="en-US" sz="1500" dirty="0"/>
-              <a:t>P-values are (somewhat) on their way out. </a:t>
-            </a:r>
-          </a:p>
-          <a:p>
-            <a:pPr lvl="1">
-              <a:lnSpc>
-                <a:spcPct val="110000"/>
-              </a:lnSpc>
-            </a:pPr>
-            <a:r>
-              <a:rPr lang="en-US" sz="1500" dirty="0"/>
-              <a:t>Banned from some medical journals as too easy to pass. </a:t>
-            </a:r>
-          </a:p>
-          <a:p>
-            <a:pPr lvl="1">
-              <a:lnSpc>
-                <a:spcPct val="110000"/>
-              </a:lnSpc>
-            </a:pPr>
-            <a:r>
-              <a:rPr lang="en-US" sz="1500" dirty="0"/>
-              <a:t>NHST = null </a:t>
-            </a:r>
-            <a:r>
-              <a:rPr lang="en-US" sz="1500" dirty="0" err="1"/>
-              <a:t>hyp</a:t>
-            </a:r>
-            <a:r>
-              <a:rPr lang="en-US" sz="1500" dirty="0"/>
-              <a:t>. significance testing. </a:t>
-            </a:r>
-          </a:p>
-          <a:p>
-            <a:pPr>
-              <a:lnSpc>
-                <a:spcPct val="110000"/>
-              </a:lnSpc>
-            </a:pPr>
-            <a:r>
-              <a:rPr lang="en-US" sz="1500" dirty="0"/>
-              <a:t>Unfortunately, and surprisingly, there’s no perfect alternative. </a:t>
-            </a:r>
-          </a:p>
-          <a:p>
-            <a:pPr>
-              <a:lnSpc>
-                <a:spcPct val="110000"/>
-              </a:lnSpc>
-            </a:pPr>
-            <a:r>
-              <a:rPr lang="en-US" sz="1500" dirty="0"/>
-              <a:t>What do we do???</a:t>
-            </a:r>
-          </a:p>
-          <a:p>
-            <a:pPr lvl="1">
-              <a:lnSpc>
-                <a:spcPct val="110000"/>
-              </a:lnSpc>
-            </a:pPr>
-            <a:r>
-              <a:rPr lang="en-US" sz="1500" dirty="0"/>
-              <a:t>Effect size. </a:t>
-            </a:r>
-          </a:p>
-          <a:p>
-            <a:pPr lvl="1">
-              <a:lnSpc>
-                <a:spcPct val="110000"/>
-              </a:lnSpc>
-            </a:pPr>
-            <a:r>
-              <a:rPr lang="en-US" sz="1500" dirty="0"/>
-              <a:t>Estimate mean with standard error and confidence intervals. </a:t>
-            </a:r>
-          </a:p>
-          <a:p>
-            <a:pPr lvl="1">
-              <a:lnSpc>
-                <a:spcPct val="110000"/>
-              </a:lnSpc>
-            </a:pPr>
-            <a:r>
-              <a:rPr lang="en-US" sz="1500" dirty="0"/>
-              <a:t>Bayesian estimation (we’ll touch on this later)</a:t>
-            </a:r>
-          </a:p>
-          <a:p>
-            <a:pPr>
-              <a:lnSpc>
-                <a:spcPct val="110000"/>
-              </a:lnSpc>
-            </a:pPr>
-            <a:r>
-              <a:rPr lang="en-US" sz="1700" dirty="0"/>
-              <a:t>Real statisticians are actively debating this – we don’t have a firm answer. </a:t>
-            </a:r>
+        <p:spPr/>
+        <p:txBody>
+          <a:bodyPr/>
+          <a:lstStyle/>
+          <a:p>
+            <a:r>
+              <a:rPr lang="en-US" dirty="0"/>
+              <a:t>There are many other statistical tests that can be useful in other scenarios. </a:t>
+            </a:r>
+          </a:p>
+          <a:p>
+            <a:r>
+              <a:rPr lang="en-US" dirty="0"/>
+              <a:t>We can look one up based on our scenario, if needed. Some common ones:</a:t>
+            </a:r>
+          </a:p>
+          <a:p>
+            <a:pPr lvl="1"/>
+            <a:r>
+              <a:rPr lang="en-US" dirty="0"/>
+              <a:t>ANOVA (analysis of variance) – Test means of 3+ groups. </a:t>
+            </a:r>
+          </a:p>
+          <a:p>
+            <a:pPr lvl="1"/>
+            <a:r>
+              <a:rPr lang="en-US" dirty="0"/>
+              <a:t>Mann-Whitney – T-test equivalent with no assumption of distributions. </a:t>
+            </a:r>
+          </a:p>
+          <a:p>
+            <a:pPr lvl="1"/>
+            <a:endParaRPr lang="en-US" dirty="0"/>
+          </a:p>
+          <a:p>
+            <a:r>
+              <a:rPr lang="en-US" dirty="0"/>
+              <a:t>Application to ML – can test if an individual variable/feature matters to a model. </a:t>
+            </a:r>
+          </a:p>
+          <a:p>
+            <a:endParaRPr lang="en-US" dirty="0"/>
           </a:p>
         </p:txBody>
       </p:sp>
     </p:spTree>
     <p:extLst>
       <p:ext uri="{BB962C8B-B14F-4D97-AF65-F5344CB8AC3E}">
-        <p14:creationId xmlns:p14="http://schemas.microsoft.com/office/powerpoint/2010/main" val="2551124561"/>
+        <p14:creationId xmlns:p14="http://schemas.microsoft.com/office/powerpoint/2010/main" val="1530674256"/>
       </p:ext>
     </p:extLst>
   </p:cSld>
@@ -5259,7 +5250,7 @@
           <p:cNvPr id="2" name="Title 1">
             <a:extLst>
               <a:ext uri="{FF2B5EF4-FFF2-40B4-BE49-F238E27FC236}">
-                <a16:creationId xmlns:a16="http://schemas.microsoft.com/office/drawing/2014/main" id="{AA861DA4-0DF2-D249-9DDF-0D62D36A5841}"/>
+                <a16:creationId xmlns:a16="http://schemas.microsoft.com/office/drawing/2014/main" id="{D6A034D5-E952-294B-AC81-5584708DAFFB}"/>
               </a:ext>
             </a:extLst>
           </p:cNvPr>
@@ -5284,49 +5275,17 @@
           <a:p>
             <a:r>
               <a:rPr lang="en-US" dirty="0"/>
-              <a:t>P Hacking</a:t>
-            </a:r>
-          </a:p>
-        </p:txBody>
-      </p:sp>
-      <p:sp>
-        <p:nvSpPr>
-          <p:cNvPr id="3" name="Content Placeholder 2">
+              <a:t>Demise of Hypothesis Testing</a:t>
+            </a:r>
+          </a:p>
+        </p:txBody>
+      </p:sp>
+      <p:pic>
+        <p:nvPicPr>
+          <p:cNvPr id="8194" name="Picture 2" descr="Graphical user interface, text, application, email&#10;&#10;Description automatically generated">
             <a:extLst>
               <a:ext uri="{FF2B5EF4-FFF2-40B4-BE49-F238E27FC236}">
-                <a16:creationId xmlns:a16="http://schemas.microsoft.com/office/drawing/2014/main" id="{05C14BC6-77F4-534E-A32E-70385FECA69B}"/>
-              </a:ext>
-            </a:extLst>
-          </p:cNvPr>
-          <p:cNvSpPr>
-            <a:spLocks noGrp="1"/>
-          </p:cNvSpPr>
-          <p:nvPr>
-            <p:ph idx="1"/>
-          </p:nvPr>
-        </p:nvSpPr>
-        <p:spPr>
-          <a:xfrm>
-            <a:off x="1451579" y="2015734"/>
-            <a:ext cx="5622284" cy="3450613"/>
-          </a:xfrm>
-        </p:spPr>
-        <p:txBody>
-          <a:bodyPr>
-            <a:normAutofit/>
-          </a:bodyPr>
-          <a:lstStyle/>
-          <a:p>
-            <a:endParaRPr lang="en-US"/>
-          </a:p>
-        </p:txBody>
-      </p:sp>
-      <p:pic>
-        <p:nvPicPr>
-          <p:cNvPr id="2050" name="Picture 2" descr="A Useful Urinal Etiquette Guide For All Men, Everywhere - Mandatory">
-            <a:extLst>
-              <a:ext uri="{FF2B5EF4-FFF2-40B4-BE49-F238E27FC236}">
-                <a16:creationId xmlns:a16="http://schemas.microsoft.com/office/drawing/2014/main" id="{28D2CAA2-1578-214A-8E05-B00489994910}"/>
+                <a16:creationId xmlns:a16="http://schemas.microsoft.com/office/drawing/2014/main" id="{843CC31A-A8D8-D94B-BE98-048586839791}"/>
               </a:ext>
             </a:extLst>
           </p:cNvPr>
@@ -5349,8 +5308,8 @@
         </p:blipFill>
         <p:spPr bwMode="auto">
           <a:xfrm>
-            <a:off x="160637" y="2015734"/>
-            <a:ext cx="6422388" cy="3612593"/>
+            <a:off x="191739" y="2111065"/>
+            <a:ext cx="6038708" cy="2979095"/>
           </a:xfrm>
           <a:prstGeom prst="rect">
             <a:avLst/>
@@ -5367,57 +5326,154 @@
           </a:extLst>
         </p:spPr>
       </p:pic>
-      <p:pic>
-        <p:nvPicPr>
-          <p:cNvPr id="2052" name="Picture 4" descr="A Look into Computer Hacking - WORT 89.9 FM">
+      <p:sp>
+        <p:nvSpPr>
+          <p:cNvPr id="3" name="Content Placeholder 2">
             <a:extLst>
               <a:ext uri="{FF2B5EF4-FFF2-40B4-BE49-F238E27FC236}">
-                <a16:creationId xmlns:a16="http://schemas.microsoft.com/office/drawing/2014/main" id="{15F358B1-FC4A-244D-AA90-5BBAAA1F7F68}"/>
+                <a16:creationId xmlns:a16="http://schemas.microsoft.com/office/drawing/2014/main" id="{F7E53707-A64A-6E40-9F66-E23093385A9E}"/>
               </a:ext>
             </a:extLst>
           </p:cNvPr>
-          <p:cNvPicPr>
-            <a:picLocks noChangeAspect="1" noChangeArrowheads="1"/>
-          </p:cNvPicPr>
-          <p:nvPr/>
-        </p:nvPicPr>
-        <p:blipFill>
-          <a:blip r:embed="rId3">
-            <a:extLst>
-              <a:ext uri="{28A0092B-C50C-407E-A947-70E740481C1C}">
-                <a14:useLocalDpi xmlns:a14="http://schemas.microsoft.com/office/drawing/2010/main" val="0"/>
-              </a:ext>
-            </a:extLst>
-          </a:blip>
-          <a:srcRect/>
-          <a:stretch>
-            <a:fillRect/>
-          </a:stretch>
-        </p:blipFill>
-        <p:spPr bwMode="auto">
-          <a:xfrm>
-            <a:off x="6789656" y="2215166"/>
-            <a:ext cx="5118137" cy="4469839"/>
-          </a:xfrm>
-          <a:prstGeom prst="rect">
-            <a:avLst/>
-          </a:prstGeom>
-          <a:noFill/>
-          <a:extLst>
-            <a:ext uri="{909E8E84-426E-40DD-AFC4-6F175D3DCCD1}">
-              <a14:hiddenFill xmlns:a14="http://schemas.microsoft.com/office/drawing/2010/main">
-                <a:solidFill>
-                  <a:srgbClr val="FFFFFF"/>
-                </a:solidFill>
-              </a14:hiddenFill>
-            </a:ext>
-          </a:extLst>
-        </p:spPr>
-      </p:pic>
+          <p:cNvSpPr>
+            <a:spLocks noGrp="1"/>
+          </p:cNvSpPr>
+          <p:nvPr>
+            <p:ph idx="1"/>
+          </p:nvPr>
+        </p:nvSpPr>
+        <p:spPr>
+          <a:xfrm>
+            <a:off x="6370321" y="2015733"/>
+            <a:ext cx="5212080" cy="4037747"/>
+          </a:xfrm>
+        </p:spPr>
+        <p:txBody>
+          <a:bodyPr>
+            <a:normAutofit/>
+          </a:bodyPr>
+          <a:lstStyle/>
+          <a:p>
+            <a:pPr>
+              <a:lnSpc>
+                <a:spcPct val="110000"/>
+              </a:lnSpc>
+            </a:pPr>
+            <a:r>
+              <a:rPr lang="en-US" sz="1500" dirty="0"/>
+              <a:t>P-values are (somewhat) on their way out. </a:t>
+            </a:r>
+          </a:p>
+          <a:p>
+            <a:pPr lvl="1">
+              <a:lnSpc>
+                <a:spcPct val="110000"/>
+              </a:lnSpc>
+            </a:pPr>
+            <a:r>
+              <a:rPr lang="en-US" sz="1500" dirty="0"/>
+              <a:t>Banned from some medical journals as too easy to pass. </a:t>
+            </a:r>
+          </a:p>
+          <a:p>
+            <a:pPr lvl="1">
+              <a:lnSpc>
+                <a:spcPct val="110000"/>
+              </a:lnSpc>
+            </a:pPr>
+            <a:r>
+              <a:rPr lang="en-US" sz="1500" dirty="0"/>
+              <a:t>NHST = null </a:t>
+            </a:r>
+            <a:r>
+              <a:rPr lang="en-US" sz="1500" dirty="0" err="1"/>
+              <a:t>hyp</a:t>
+            </a:r>
+            <a:r>
+              <a:rPr lang="en-US" sz="1500" dirty="0"/>
+              <a:t>. significance testing. </a:t>
+            </a:r>
+          </a:p>
+          <a:p>
+            <a:pPr>
+              <a:lnSpc>
+                <a:spcPct val="110000"/>
+              </a:lnSpc>
+            </a:pPr>
+            <a:r>
+              <a:rPr lang="en-US" sz="1500" dirty="0"/>
+              <a:t>Unfortunately, and surprisingly, there’s no perfect alternative. </a:t>
+            </a:r>
+          </a:p>
+          <a:p>
+            <a:pPr>
+              <a:lnSpc>
+                <a:spcPct val="110000"/>
+              </a:lnSpc>
+            </a:pPr>
+            <a:r>
+              <a:rPr lang="en-US" sz="1500" dirty="0"/>
+              <a:t>What do we do???</a:t>
+            </a:r>
+          </a:p>
+          <a:p>
+            <a:pPr lvl="1">
+              <a:lnSpc>
+                <a:spcPct val="110000"/>
+              </a:lnSpc>
+            </a:pPr>
+            <a:r>
+              <a:rPr lang="en-US" sz="1500" dirty="0"/>
+              <a:t>Effect size. </a:t>
+            </a:r>
+          </a:p>
+          <a:p>
+            <a:pPr lvl="1">
+              <a:lnSpc>
+                <a:spcPct val="110000"/>
+              </a:lnSpc>
+            </a:pPr>
+            <a:r>
+              <a:rPr lang="en-US" sz="1500" dirty="0"/>
+              <a:t>Estimate mean with standard error and confidence intervals. </a:t>
+            </a:r>
+          </a:p>
+          <a:p>
+            <a:pPr lvl="1">
+              <a:lnSpc>
+                <a:spcPct val="110000"/>
+              </a:lnSpc>
+            </a:pPr>
+            <a:r>
+              <a:rPr lang="en-US" sz="1500" dirty="0"/>
+              <a:t>Bayesian estimation (we </a:t>
+            </a:r>
+            <a:r>
+              <a:rPr lang="en-US" sz="1500" i="1" dirty="0"/>
+              <a:t>might</a:t>
+            </a:r>
+            <a:r>
+              <a:rPr lang="en-US" sz="1500" dirty="0"/>
+              <a:t> touch on this later)</a:t>
+            </a:r>
+          </a:p>
+          <a:p>
+            <a:pPr>
+              <a:lnSpc>
+                <a:spcPct val="110000"/>
+              </a:lnSpc>
+            </a:pPr>
+            <a:r>
+              <a:rPr lang="en-US" sz="1700" dirty="0"/>
+              <a:t>Real statisticians are actively debating this – we don’t have a firm answer. </a:t>
+            </a:r>
+          </a:p>
+        </p:txBody>
+      </p:sp>
     </p:spTree>
     <p:extLst>
       <p:ext uri="{BB962C8B-B14F-4D97-AF65-F5344CB8AC3E}">
-        <p14:creationId xmlns:p14="http://schemas.microsoft.com/office/powerpoint/2010/main" val="3269594207"/>
+        <p14:creationId xmlns:p14="http://schemas.microsoft.com/office/powerpoint/2010/main" val="2551124561"/>
       </p:ext>
     </p:extLst>
   </p:cSld>
@@ -5428,160 +5484,6 @@
 </file>
 
 <file path=ppt/slides/slide16.xml><?xml version="1.0" encoding="utf-8"?>
-<p:sld xmlns:a="http://schemas.openxmlformats.org/drawingml/2006/main" xmlns:r="http://schemas.openxmlformats.org/officeDocument/2006/relationships" xmlns:p="http://schemas.openxmlformats.org/presentationml/2006/main">
-  <p:cSld>
-    <p:spTree>
-      <p:nvGrpSpPr>
-        <p:cNvPr id="1" name=""/>
-        <p:cNvGrpSpPr/>
-        <p:nvPr/>
-      </p:nvGrpSpPr>
-      <p:grpSpPr>
-        <a:xfrm>
-          <a:off x="0" y="0"/>
-          <a:ext cx="0" cy="0"/>
-          <a:chOff x="0" y="0"/>
-          <a:chExt cx="0" cy="0"/>
-        </a:xfrm>
-      </p:grpSpPr>
-      <p:sp>
-        <p:nvSpPr>
-          <p:cNvPr id="2" name="Title 1">
-            <a:extLst>
-              <a:ext uri="{FF2B5EF4-FFF2-40B4-BE49-F238E27FC236}">
-                <a16:creationId xmlns:a16="http://schemas.microsoft.com/office/drawing/2014/main" id="{8D48E8B3-406C-794A-B1EF-BCB803974BCE}"/>
-              </a:ext>
-            </a:extLst>
-          </p:cNvPr>
-          <p:cNvSpPr>
-            <a:spLocks noGrp="1"/>
-          </p:cNvSpPr>
-          <p:nvPr>
-            <p:ph type="title"/>
-          </p:nvPr>
-        </p:nvSpPr>
-        <p:spPr/>
-        <p:txBody>
-          <a:bodyPr/>
-          <a:lstStyle/>
-          <a:p>
-            <a:r>
-              <a:rPr lang="en-US" dirty="0"/>
-              <a:t>What is P-Hacking?</a:t>
-            </a:r>
-          </a:p>
-        </p:txBody>
-      </p:sp>
-      <p:sp>
-        <p:nvSpPr>
-          <p:cNvPr id="3" name="Content Placeholder 2">
-            <a:extLst>
-              <a:ext uri="{FF2B5EF4-FFF2-40B4-BE49-F238E27FC236}">
-                <a16:creationId xmlns:a16="http://schemas.microsoft.com/office/drawing/2014/main" id="{F9B6F98D-1784-EC4E-A263-DBC24CE4E93A}"/>
-              </a:ext>
-            </a:extLst>
-          </p:cNvPr>
-          <p:cNvSpPr>
-            <a:spLocks noGrp="1"/>
-          </p:cNvSpPr>
-          <p:nvPr>
-            <p:ph idx="1"/>
-          </p:nvPr>
-        </p:nvSpPr>
-        <p:spPr>
-          <a:xfrm>
-            <a:off x="1451579" y="1853754"/>
-            <a:ext cx="9603275" cy="4287273"/>
-          </a:xfrm>
-        </p:spPr>
-        <p:txBody>
-          <a:bodyPr>
-            <a:normAutofit/>
-          </a:bodyPr>
-          <a:lstStyle/>
-          <a:p>
-            <a:r>
-              <a:rPr lang="en-US" dirty="0"/>
-              <a:t>Generally, we (the royal one) are looking to demonstrate significance:</a:t>
-            </a:r>
-          </a:p>
-          <a:p>
-            <a:pPr lvl="1"/>
-            <a:r>
-              <a:rPr lang="en-US" dirty="0"/>
-              <a:t>This drug works – the people who took it live longer.</a:t>
-            </a:r>
-          </a:p>
-          <a:p>
-            <a:pPr lvl="1"/>
-            <a:r>
-              <a:rPr lang="en-US" dirty="0"/>
-              <a:t>This thing I noticed in my thesis is real – some effect is due to a real thing, not randomness.</a:t>
-            </a:r>
-          </a:p>
-          <a:p>
-            <a:pPr lvl="1"/>
-            <a:r>
-              <a:rPr lang="en-US" dirty="0"/>
-              <a:t>This difference matters – group A really is different from group B. </a:t>
-            </a:r>
-          </a:p>
-          <a:p>
-            <a:r>
-              <a:rPr lang="en-US" dirty="0"/>
-              <a:t>95% confidence is only 19 times out of 20. </a:t>
-            </a:r>
-          </a:p>
-          <a:p>
-            <a:r>
-              <a:rPr lang="en-US" dirty="0"/>
-              <a:t>If we just want to show something is significant:</a:t>
-            </a:r>
-          </a:p>
-          <a:p>
-            <a:pPr lvl="1"/>
-            <a:r>
-              <a:rPr lang="en-US" dirty="0"/>
-              <a:t>Manipulate variables</a:t>
-            </a:r>
-          </a:p>
-          <a:p>
-            <a:pPr lvl="1"/>
-            <a:r>
-              <a:rPr lang="en-US" dirty="0"/>
-              <a:t>Repeat testing with different details</a:t>
-            </a:r>
-          </a:p>
-          <a:p>
-            <a:pPr lvl="1"/>
-            <a:r>
-              <a:rPr lang="en-US" dirty="0"/>
-              <a:t>Find a small p</a:t>
-            </a:r>
-          </a:p>
-          <a:p>
-            <a:pPr lvl="1"/>
-            <a:r>
-              <a:rPr lang="en-US" dirty="0"/>
-              <a:t>Publish!!!!!!!</a:t>
-            </a:r>
-          </a:p>
-        </p:txBody>
-      </p:sp>
-    </p:spTree>
-    <p:extLst>
-      <p:ext uri="{BB962C8B-B14F-4D97-AF65-F5344CB8AC3E}">
-        <p14:creationId xmlns:p14="http://schemas.microsoft.com/office/powerpoint/2010/main" val="2930291580"/>
-      </p:ext>
-    </p:extLst>
-  </p:cSld>
-  <p:clrMapOvr>
-    <a:masterClrMapping/>
-  </p:clrMapOvr>
-</p:sld>
-</file>
-
-<file path=ppt/slides/slide17.xml><?xml version="1.0" encoding="utf-8"?>
 <p:sld xmlns:a="http://schemas.openxmlformats.org/drawingml/2006/main" xmlns:r="http://schemas.openxmlformats.org/officeDocument/2006/relationships" xmlns:p="http://schemas.openxmlformats.org/presentationml/2006/main">
   <p:cSld>
     <p:bg>
@@ -5627,7 +5529,7 @@
           <p:cNvPr id="2" name="Title 1">
             <a:extLst>
               <a:ext uri="{FF2B5EF4-FFF2-40B4-BE49-F238E27FC236}">
-                <a16:creationId xmlns:a16="http://schemas.microsoft.com/office/drawing/2014/main" id="{722F0982-DE8D-644B-8D71-399253321296}"/>
+                <a16:creationId xmlns:a16="http://schemas.microsoft.com/office/drawing/2014/main" id="{AA861DA4-0DF2-D249-9DDF-0D62D36A5841}"/>
               </a:ext>
             </a:extLst>
           </p:cNvPr>
@@ -5652,7 +5554,7 @@
           <a:p>
             <a:r>
               <a:rPr lang="en-US" dirty="0"/>
-              <a:t>Data Dredging</a:t>
+              <a:t>P Hacking</a:t>
             </a:r>
           </a:p>
         </p:txBody>
@@ -5662,7 +5564,7 @@
           <p:cNvPr id="3" name="Content Placeholder 2">
             <a:extLst>
               <a:ext uri="{FF2B5EF4-FFF2-40B4-BE49-F238E27FC236}">
-                <a16:creationId xmlns:a16="http://schemas.microsoft.com/office/drawing/2014/main" id="{81BAD69F-CDE9-8746-8218-37FB9AD709BD}"/>
+                <a16:creationId xmlns:a16="http://schemas.microsoft.com/office/drawing/2014/main" id="{05C14BC6-77F4-534E-A32E-70385FECA69B}"/>
               </a:ext>
             </a:extLst>
           </p:cNvPr>
@@ -5675,8 +5577,8 @@
         </p:nvSpPr>
         <p:spPr>
           <a:xfrm>
-            <a:off x="1049482" y="2015734"/>
-            <a:ext cx="6024381" cy="4037747"/>
+            <a:off x="1451579" y="2015734"/>
+            <a:ext cx="5622284" cy="3450613"/>
           </a:xfrm>
         </p:spPr>
         <p:txBody>
@@ -5685,53 +5587,16 @@
           </a:bodyPr>
           <a:lstStyle/>
           <a:p>
-            <a:r>
-              <a:rPr lang="en-US" dirty="0"/>
-              <a:t>P Hacking is one example of Data Dredging:</a:t>
-            </a:r>
-          </a:p>
-          <a:p>
-            <a:pPr lvl="1"/>
-            <a:r>
-              <a:rPr lang="en-US" dirty="0"/>
-              <a:t>Manipulating analysis to find justification for a predetermined result. </a:t>
-            </a:r>
-          </a:p>
-          <a:p>
-            <a:r>
-              <a:rPr lang="en-US" dirty="0"/>
-              <a:t>E.g. if I want to show correlation, predictive value, or similar for an example, I can:</a:t>
-            </a:r>
-          </a:p>
-          <a:p>
-            <a:pPr lvl="1"/>
-            <a:r>
-              <a:rPr lang="en-US" dirty="0"/>
-              <a:t>Remove (or add) data arbitrarily to change results. </a:t>
-            </a:r>
-          </a:p>
-          <a:p>
-            <a:pPr lvl="1"/>
-            <a:r>
-              <a:rPr lang="en-US" dirty="0"/>
-              <a:t>Transform data in some way.</a:t>
-            </a:r>
-          </a:p>
-          <a:p>
-            <a:pPr lvl="1"/>
-            <a:r>
-              <a:rPr lang="en-US" dirty="0"/>
-              <a:t>Run a test, then change things to get what I want. </a:t>
-            </a:r>
+            <a:endParaRPr lang="en-US"/>
           </a:p>
         </p:txBody>
       </p:sp>
       <p:pic>
         <p:nvPicPr>
-          <p:cNvPr id="3074" name="Picture 2" descr="Lies, Damn Lies, and Statistics: How the COVID-19 Crisis Highlights Our  Misuse of Data | Foley Hoag LLP - Environmental Law - JDSupra">
+          <p:cNvPr id="2050" name="Picture 2" descr="A Useful Urinal Etiquette Guide For All Men, Everywhere - Mandatory">
             <a:extLst>
               <a:ext uri="{FF2B5EF4-FFF2-40B4-BE49-F238E27FC236}">
-                <a16:creationId xmlns:a16="http://schemas.microsoft.com/office/drawing/2014/main" id="{22FBCF00-8A1B-034C-BF4C-A4471315BE83}"/>
+                <a16:creationId xmlns:a16="http://schemas.microsoft.com/office/drawing/2014/main" id="{28D2CAA2-1578-214A-8E05-B00489994910}"/>
               </a:ext>
             </a:extLst>
           </p:cNvPr>
@@ -5754,8 +5619,8 @@
         </p:blipFill>
         <p:spPr bwMode="auto">
           <a:xfrm>
-            <a:off x="7430572" y="2015735"/>
-            <a:ext cx="4600816" cy="3450612"/>
+            <a:off x="160637" y="2015734"/>
+            <a:ext cx="6422388" cy="3612593"/>
           </a:xfrm>
           <a:prstGeom prst="rect">
             <a:avLst/>
@@ -5772,10 +5637,57 @@
           </a:extLst>
         </p:spPr>
       </p:pic>
+      <p:pic>
+        <p:nvPicPr>
+          <p:cNvPr id="2052" name="Picture 4" descr="A Look into Computer Hacking - WORT 89.9 FM">
+            <a:extLst>
+              <a:ext uri="{FF2B5EF4-FFF2-40B4-BE49-F238E27FC236}">
+                <a16:creationId xmlns:a16="http://schemas.microsoft.com/office/drawing/2014/main" id="{15F358B1-FC4A-244D-AA90-5BBAAA1F7F68}"/>
+              </a:ext>
+            </a:extLst>
+          </p:cNvPr>
+          <p:cNvPicPr>
+            <a:picLocks noChangeAspect="1" noChangeArrowheads="1"/>
+          </p:cNvPicPr>
+          <p:nvPr/>
+        </p:nvPicPr>
+        <p:blipFill>
+          <a:blip r:embed="rId3">
+            <a:extLst>
+              <a:ext uri="{28A0092B-C50C-407E-A947-70E740481C1C}">
+                <a14:useLocalDpi xmlns:a14="http://schemas.microsoft.com/office/drawing/2010/main" val="0"/>
+              </a:ext>
+            </a:extLst>
+          </a:blip>
+          <a:srcRect/>
+          <a:stretch>
+            <a:fillRect/>
+          </a:stretch>
+        </p:blipFill>
+        <p:spPr bwMode="auto">
+          <a:xfrm>
+            <a:off x="6789656" y="2107248"/>
+            <a:ext cx="5241707" cy="4577757"/>
+          </a:xfrm>
+          <a:prstGeom prst="rect">
+            <a:avLst/>
+          </a:prstGeom>
+          <a:noFill/>
+          <a:extLst>
+            <a:ext uri="{909E8E84-426E-40DD-AFC4-6F175D3DCCD1}">
+              <a14:hiddenFill xmlns:a14="http://schemas.microsoft.com/office/drawing/2010/main">
+                <a:solidFill>
+                  <a:srgbClr val="FFFFFF"/>
+                </a:solidFill>
+              </a14:hiddenFill>
+            </a:ext>
+          </a:extLst>
+        </p:spPr>
+      </p:pic>
     </p:spTree>
     <p:extLst>
       <p:ext uri="{BB962C8B-B14F-4D97-AF65-F5344CB8AC3E}">
-        <p14:creationId xmlns:p14="http://schemas.microsoft.com/office/powerpoint/2010/main" val="2893789664"/>
+        <p14:creationId xmlns:p14="http://schemas.microsoft.com/office/powerpoint/2010/main" val="3269594207"/>
       </p:ext>
     </p:extLst>
   </p:cSld>
@@ -5785,7 +5697,7 @@
 </p:sld>
 </file>
 
-<file path=ppt/slides/slide18.xml><?xml version="1.0" encoding="utf-8"?>
+<file path=ppt/slides/slide17.xml><?xml version="1.0" encoding="utf-8"?>
 <p:sld xmlns:a="http://schemas.openxmlformats.org/drawingml/2006/main" xmlns:r="http://schemas.openxmlformats.org/officeDocument/2006/relationships" xmlns:p="http://schemas.openxmlformats.org/presentationml/2006/main">
   <p:cSld>
     <p:spTree>
@@ -5807,7 +5719,7 @@
           <p:cNvPr id="2" name="Title 1">
             <a:extLst>
               <a:ext uri="{FF2B5EF4-FFF2-40B4-BE49-F238E27FC236}">
-                <a16:creationId xmlns:a16="http://schemas.microsoft.com/office/drawing/2014/main" id="{BE41156D-A56A-0842-B741-09E6D744E59F}"/>
+                <a16:creationId xmlns:a16="http://schemas.microsoft.com/office/drawing/2014/main" id="{8D48E8B3-406C-794A-B1EF-BCB803974BCE}"/>
               </a:ext>
             </a:extLst>
           </p:cNvPr>
@@ -5825,7 +5737,7 @@
           <a:p>
             <a:r>
               <a:rPr lang="en-US" dirty="0"/>
-              <a:t>Don’t be a Hacker (Unless Maybe if grant Funding Depends on it)</a:t>
+              <a:t>What is P-Hacking?</a:t>
             </a:r>
           </a:p>
         </p:txBody>
@@ -5835,7 +5747,7 @@
           <p:cNvPr id="3" name="Content Placeholder 2">
             <a:extLst>
               <a:ext uri="{FF2B5EF4-FFF2-40B4-BE49-F238E27FC236}">
-                <a16:creationId xmlns:a16="http://schemas.microsoft.com/office/drawing/2014/main" id="{09C2E57C-E69A-784E-B887-A6B8D10B924B}"/>
+                <a16:creationId xmlns:a16="http://schemas.microsoft.com/office/drawing/2014/main" id="{F9B6F98D-1784-EC4E-A263-DBC24CE4E93A}"/>
               </a:ext>
             </a:extLst>
           </p:cNvPr>
@@ -5848,59 +5760,80 @@
         </p:nvSpPr>
         <p:spPr>
           <a:xfrm>
-            <a:off x="1451579" y="2015732"/>
-            <a:ext cx="9603275" cy="4037749"/>
-          </a:xfrm>
-        </p:spPr>
-        <p:txBody>
-          <a:bodyPr/>
-          <a:lstStyle/>
-          <a:p>
-            <a:r>
-              <a:rPr lang="en-US" dirty="0"/>
-              <a:t>Test/train split in machine learning :</a:t>
+            <a:off x="1451579" y="1853754"/>
+            <a:ext cx="9603275" cy="4287273"/>
+          </a:xfrm>
+        </p:spPr>
+        <p:txBody>
+          <a:bodyPr>
+            <a:normAutofit/>
+          </a:bodyPr>
+          <a:lstStyle/>
+          <a:p>
+            <a:r>
+              <a:rPr lang="en-US" dirty="0"/>
+              <a:t>Generally, we (the royal one) are looking to demonstrate significance:</a:t>
             </a:r>
           </a:p>
           <a:p>
             <a:pPr lvl="1"/>
             <a:r>
               <a:rPr lang="en-US" dirty="0"/>
-              <a:t>Train (create) a model with one set of data.</a:t>
+              <a:t>This drug works – the people who took it live longer.</a:t>
             </a:r>
           </a:p>
           <a:p>
             <a:pPr lvl="1"/>
             <a:r>
               <a:rPr lang="en-US" dirty="0"/>
-              <a:t>Evaluate its performance with a totally separate set of data. </a:t>
+              <a:t>This thing I noticed in my thesis is real – some effect is due to a real thing, not randomness.</a:t>
             </a:r>
           </a:p>
           <a:p>
             <a:pPr lvl="1"/>
             <a:r>
               <a:rPr lang="en-US" dirty="0"/>
-              <a:t>Resampling (multiple trials). </a:t>
-            </a:r>
-          </a:p>
-          <a:p>
-            <a:endParaRPr lang="en-US" dirty="0"/>
-          </a:p>
-          <a:p>
-            <a:r>
-              <a:rPr lang="en-US" dirty="0"/>
-              <a:t>Share process, not just results. </a:t>
-            </a:r>
-          </a:p>
-          <a:p>
-            <a:r>
-              <a:rPr lang="en-US" dirty="0"/>
-              <a:t>Look for multiple metrics of significance that agree with each other. </a:t>
-            </a:r>
-          </a:p>
-          <a:p>
-            <a:r>
-              <a:rPr lang="en-US" dirty="0"/>
-              <a:t>Just “don’t” – avoid searching for ways to force data to show what you want. </a:t>
+              <a:t>This difference matters – group A really is different from group B. </a:t>
+            </a:r>
+          </a:p>
+          <a:p>
+            <a:r>
+              <a:rPr lang="en-US" dirty="0"/>
+              <a:t>95% confidence is only 19 times out of 20. </a:t>
+            </a:r>
+          </a:p>
+          <a:p>
+            <a:r>
+              <a:rPr lang="en-US" dirty="0"/>
+              <a:t>If we just want to show something is significant:</a:t>
+            </a:r>
+          </a:p>
+          <a:p>
+            <a:pPr lvl="1"/>
+            <a:r>
+              <a:rPr lang="en-US" dirty="0"/>
+              <a:t>Manipulate variables</a:t>
+            </a:r>
+          </a:p>
+          <a:p>
+            <a:pPr lvl="1"/>
+            <a:r>
+              <a:rPr lang="en-US" dirty="0"/>
+              <a:t>Repeat testing with different details</a:t>
+            </a:r>
+          </a:p>
+          <a:p>
+            <a:pPr lvl="1"/>
+            <a:r>
+              <a:rPr lang="en-US" dirty="0"/>
+              <a:t>Find a small p</a:t>
+            </a:r>
+          </a:p>
+          <a:p>
+            <a:pPr lvl="1"/>
+            <a:r>
+              <a:rPr lang="en-US" dirty="0"/>
+              <a:t>Publish!!!!!!!</a:t>
             </a:r>
           </a:p>
         </p:txBody>
@@ -5908,7 +5841,7 @@
     </p:spTree>
     <p:extLst>
       <p:ext uri="{BB962C8B-B14F-4D97-AF65-F5344CB8AC3E}">
-        <p14:creationId xmlns:p14="http://schemas.microsoft.com/office/powerpoint/2010/main" val="1179250358"/>
+        <p14:creationId xmlns:p14="http://schemas.microsoft.com/office/powerpoint/2010/main" val="2930291580"/>
       </p:ext>
     </p:extLst>
   </p:cSld>
@@ -5918,7 +5851,7 @@
 </p:sld>
 </file>
 
-<file path=ppt/slides/slide2.xml><?xml version="1.0" encoding="utf-8"?>
+<file path=ppt/slides/slide18.xml><?xml version="1.0" encoding="utf-8"?>
 <p:sld xmlns:a="http://schemas.openxmlformats.org/drawingml/2006/main" xmlns:r="http://schemas.openxmlformats.org/officeDocument/2006/relationships" xmlns:p="http://schemas.openxmlformats.org/presentationml/2006/main">
   <p:cSld>
     <p:bg>
@@ -5964,7 +5897,7 @@
           <p:cNvPr id="2" name="Title 1">
             <a:extLst>
               <a:ext uri="{FF2B5EF4-FFF2-40B4-BE49-F238E27FC236}">
-                <a16:creationId xmlns:a16="http://schemas.microsoft.com/office/drawing/2014/main" id="{E9FB4EAE-8C60-0F48-8E09-4DBF9EFA1A74}"/>
+                <a16:creationId xmlns:a16="http://schemas.microsoft.com/office/drawing/2014/main" id="{722F0982-DE8D-644B-8D71-399253321296}"/>
               </a:ext>
             </a:extLst>
           </p:cNvPr>
@@ -5989,7 +5922,7 @@
           <a:p>
             <a:r>
               <a:rPr lang="en-US" dirty="0"/>
-              <a:t>It’s Science!!</a:t>
+              <a:t>Data Dredging</a:t>
             </a:r>
           </a:p>
         </p:txBody>
@@ -5999,7 +5932,7 @@
           <p:cNvPr id="3" name="Content Placeholder 2">
             <a:extLst>
               <a:ext uri="{FF2B5EF4-FFF2-40B4-BE49-F238E27FC236}">
-                <a16:creationId xmlns:a16="http://schemas.microsoft.com/office/drawing/2014/main" id="{D95C479D-1CC5-7947-B7C5-85D2EE5E1C65}"/>
+                <a16:creationId xmlns:a16="http://schemas.microsoft.com/office/drawing/2014/main" id="{81BAD69F-CDE9-8746-8218-37FB9AD709BD}"/>
               </a:ext>
             </a:extLst>
           </p:cNvPr>
@@ -6012,8 +5945,8 @@
         </p:nvSpPr>
         <p:spPr>
           <a:xfrm>
-            <a:off x="630195" y="2015734"/>
-            <a:ext cx="4934365" cy="3958346"/>
+            <a:off x="1049482" y="2015734"/>
+            <a:ext cx="6024381" cy="4037747"/>
           </a:xfrm>
         </p:spPr>
         <p:txBody>
@@ -6024,50 +5957,51 @@
           <a:p>
             <a:r>
               <a:rPr lang="en-US" dirty="0"/>
-              <a:t>At lest it is commonly used in science.</a:t>
-            </a:r>
-          </a:p>
-          <a:p>
-            <a:r>
-              <a:rPr lang="en-US" dirty="0"/>
-              <a:t>E.g. Give some people a vaccine</a:t>
+              <a:t>P Hacking is one example of Data Dredging:</a:t>
             </a:r>
           </a:p>
           <a:p>
             <a:pPr lvl="1"/>
             <a:r>
               <a:rPr lang="en-US" dirty="0"/>
-              <a:t>How many got sick?</a:t>
+              <a:t>Manipulating analysis to find justification for a predetermined result. </a:t>
+            </a:r>
+          </a:p>
+          <a:p>
+            <a:r>
+              <a:rPr lang="en-US" dirty="0"/>
+              <a:t>E.g. if I want to show correlation, predictive value, or similar for an example, I can:</a:t>
             </a:r>
           </a:p>
           <a:p>
             <a:pPr lvl="1"/>
             <a:r>
               <a:rPr lang="en-US" dirty="0"/>
-              <a:t>How many didn’t?</a:t>
+              <a:t>Remove (or add) data arbitrarily to change results. </a:t>
             </a:r>
           </a:p>
           <a:p>
             <a:pPr lvl="1"/>
             <a:r>
               <a:rPr lang="en-US" dirty="0"/>
-              <a:t>Is the difference significant?</a:t>
-            </a:r>
-          </a:p>
-          <a:p>
-            <a:r>
-              <a:rPr lang="en-US" dirty="0"/>
-              <a:t>Can we state that there’s a difference between two groups? And that difference is due to something real, not chance?</a:t>
+              <a:t>Transform data in some way.</a:t>
+            </a:r>
+          </a:p>
+          <a:p>
+            <a:pPr lvl="1"/>
+            <a:r>
+              <a:rPr lang="en-US" dirty="0"/>
+              <a:t>Run a test, then change things to get what I want. </a:t>
             </a:r>
           </a:p>
         </p:txBody>
       </p:sp>
       <p:pic>
         <p:nvPicPr>
-          <p:cNvPr id="1026" name="Picture 2" descr="Hypothesis vs. Theory: The Difference Explained | Merriam-Webster">
+          <p:cNvPr id="3074" name="Picture 2" descr="Lies, Damn Lies, and Statistics: How the COVID-19 Crisis Highlights Our  Misuse of Data | Foley Hoag LLP - Environmental Law - JDSupra">
             <a:extLst>
               <a:ext uri="{FF2B5EF4-FFF2-40B4-BE49-F238E27FC236}">
-                <a16:creationId xmlns:a16="http://schemas.microsoft.com/office/drawing/2014/main" id="{CD8C1DE2-BD67-164B-B905-9C98DA89A777}"/>
+                <a16:creationId xmlns:a16="http://schemas.microsoft.com/office/drawing/2014/main" id="{22FBCF00-8A1B-034C-BF4C-A4471315BE83}"/>
               </a:ext>
             </a:extLst>
           </p:cNvPr>
@@ -6090,8 +6024,8 @@
         </p:blipFill>
         <p:spPr bwMode="auto">
           <a:xfrm>
-            <a:off x="5564560" y="1887421"/>
-            <a:ext cx="6627440" cy="4970579"/>
+            <a:off x="7430572" y="2015735"/>
+            <a:ext cx="4600816" cy="3450612"/>
           </a:xfrm>
           <a:prstGeom prst="rect">
             <a:avLst/>
@@ -6111,7 +6045,7 @@
     </p:spTree>
     <p:extLst>
       <p:ext uri="{BB962C8B-B14F-4D97-AF65-F5344CB8AC3E}">
-        <p14:creationId xmlns:p14="http://schemas.microsoft.com/office/powerpoint/2010/main" val="3552808515"/>
+        <p14:creationId xmlns:p14="http://schemas.microsoft.com/office/powerpoint/2010/main" val="2893789664"/>
       </p:ext>
     </p:extLst>
   </p:cSld>
@@ -6121,7 +6055,7 @@
 </p:sld>
 </file>
 
-<file path=ppt/slides/slide3.xml><?xml version="1.0" encoding="utf-8"?>
+<file path=ppt/slides/slide19.xml><?xml version="1.0" encoding="utf-8"?>
 <p:sld xmlns:a="http://schemas.openxmlformats.org/drawingml/2006/main" xmlns:r="http://schemas.openxmlformats.org/officeDocument/2006/relationships" xmlns:p="http://schemas.openxmlformats.org/presentationml/2006/main">
   <p:cSld>
     <p:spTree>
@@ -6143,7 +6077,7 @@
           <p:cNvPr id="2" name="Title 1">
             <a:extLst>
               <a:ext uri="{FF2B5EF4-FFF2-40B4-BE49-F238E27FC236}">
-                <a16:creationId xmlns:a16="http://schemas.microsoft.com/office/drawing/2014/main" id="{C50F3542-1AAB-334C-906A-F8224315790B}"/>
+                <a16:creationId xmlns:a16="http://schemas.microsoft.com/office/drawing/2014/main" id="{BE41156D-A56A-0842-B741-09E6D744E59F}"/>
               </a:ext>
             </a:extLst>
           </p:cNvPr>
@@ -6161,7 +6095,7 @@
           <a:p>
             <a:r>
               <a:rPr lang="en-US" dirty="0"/>
-              <a:t>Hypothesis Tests </a:t>
+              <a:t>Don’t be a P Hacker (Unless Maybe if grant Funding Depends on it)</a:t>
             </a:r>
           </a:p>
         </p:txBody>
@@ -6171,7 +6105,7 @@
           <p:cNvPr id="3" name="Content Placeholder 2">
             <a:extLst>
               <a:ext uri="{FF2B5EF4-FFF2-40B4-BE49-F238E27FC236}">
-                <a16:creationId xmlns:a16="http://schemas.microsoft.com/office/drawing/2014/main" id="{A73972D4-87BF-8740-8AD4-96E77B0CD030}"/>
+                <a16:creationId xmlns:a16="http://schemas.microsoft.com/office/drawing/2014/main" id="{09C2E57C-E69A-784E-B887-A6B8D10B924B}"/>
               </a:ext>
             </a:extLst>
           </p:cNvPr>
@@ -6184,59 +6118,29 @@
         </p:nvSpPr>
         <p:spPr>
           <a:xfrm>
-            <a:off x="1137146" y="1853754"/>
-            <a:ext cx="10455413" cy="4303206"/>
-          </a:xfrm>
-        </p:spPr>
-        <p:txBody>
-          <a:bodyPr>
-            <a:normAutofit/>
-          </a:bodyPr>
-          <a:lstStyle/>
-          <a:p>
-            <a:r>
-              <a:rPr lang="en-US" dirty="0"/>
-              <a:t>Notice a difference (effect) in data, test to see if is “real”, or due to variation. </a:t>
-            </a:r>
-          </a:p>
-          <a:p>
-            <a:r>
-              <a:rPr lang="en-US" dirty="0"/>
-              <a:t>Real can be highly situation dependent:</a:t>
-            </a:r>
-          </a:p>
-          <a:p>
-            <a:pPr lvl="1"/>
-            <a:r>
-              <a:rPr lang="en-US" dirty="0"/>
-              <a:t>Different situations yield different criteria. </a:t>
-            </a:r>
-          </a:p>
-          <a:p>
-            <a:endParaRPr lang="en-US" dirty="0"/>
-          </a:p>
-          <a:p>
-            <a:r>
-              <a:rPr lang="en-US" dirty="0"/>
-              <a:t>Problem – there’s no definitive way to go from probabilities and results of samples to definitive declarations for an entire population. We are always making an inference, not showing a law. </a:t>
-            </a:r>
-          </a:p>
-          <a:p>
-            <a:r>
-              <a:rPr lang="en-US" dirty="0"/>
-              <a:t>Reliable conclusions will require domain knowledge, and likely more than one calc. </a:t>
-            </a:r>
-          </a:p>
-          <a:p>
-            <a:r>
-              <a:rPr lang="en-US" dirty="0"/>
-              <a:t>All of these things are “ways to demonstrate a difference”, not absolute rules. </a:t>
-            </a:r>
-          </a:p>
-          <a:p>
-            <a:r>
-              <a:rPr lang="en-US" dirty="0"/>
-              <a:t>Similar to predictions later – we are stating a conclusion, and offering evidence of its truth. </a:t>
+            <a:off x="1451579" y="2015732"/>
+            <a:ext cx="9603275" cy="4037749"/>
+          </a:xfrm>
+        </p:spPr>
+        <p:txBody>
+          <a:bodyPr/>
+          <a:lstStyle/>
+          <a:p>
+            <a:r>
+              <a:rPr lang="en-US" dirty="0"/>
+              <a:t>Share process, not just results. </a:t>
+            </a:r>
+          </a:p>
+          <a:p>
+            <a:r>
+              <a:rPr lang="en-US" dirty="0"/>
+              <a:t>Look for multiple metrics of significance that agree with each other. </a:t>
+            </a:r>
+          </a:p>
+          <a:p>
+            <a:r>
+              <a:rPr lang="en-US" dirty="0"/>
+              <a:t>Just “don’t” – avoid searching for ways to force data to show what you want. </a:t>
             </a:r>
           </a:p>
         </p:txBody>
@@ -6244,7 +6148,7 @@
     </p:spTree>
     <p:extLst>
       <p:ext uri="{BB962C8B-B14F-4D97-AF65-F5344CB8AC3E}">
-        <p14:creationId xmlns:p14="http://schemas.microsoft.com/office/powerpoint/2010/main" val="2641840238"/>
+        <p14:creationId xmlns:p14="http://schemas.microsoft.com/office/powerpoint/2010/main" val="1179250358"/>
       </p:ext>
     </p:extLst>
   </p:cSld>
@@ -6254,7 +6158,93 @@
 </p:sld>
 </file>
 
-<file path=ppt/slides/slide4.xml><?xml version="1.0" encoding="utf-8"?>
+<file path=ppt/slides/slide2.xml><?xml version="1.0" encoding="utf-8"?>
+<p:sld xmlns:a="http://schemas.openxmlformats.org/drawingml/2006/main" xmlns:r="http://schemas.openxmlformats.org/officeDocument/2006/relationships" xmlns:p="http://schemas.openxmlformats.org/presentationml/2006/main">
+  <p:cSld>
+    <p:spTree>
+      <p:nvGrpSpPr>
+        <p:cNvPr id="1" name=""/>
+        <p:cNvGrpSpPr/>
+        <p:nvPr/>
+      </p:nvGrpSpPr>
+      <p:grpSpPr>
+        <a:xfrm>
+          <a:off x="0" y="0"/>
+          <a:ext cx="0" cy="0"/>
+          <a:chOff x="0" y="0"/>
+          <a:chExt cx="0" cy="0"/>
+        </a:xfrm>
+      </p:grpSpPr>
+      <p:sp>
+        <p:nvSpPr>
+          <p:cNvPr id="2" name="Title 1">
+            <a:extLst>
+              <a:ext uri="{FF2B5EF4-FFF2-40B4-BE49-F238E27FC236}">
+                <a16:creationId xmlns:a16="http://schemas.microsoft.com/office/drawing/2014/main" id="{3FFFB92D-D5B7-5C46-859A-480D5C8782A5}"/>
+              </a:ext>
+            </a:extLst>
+          </p:cNvPr>
+          <p:cNvSpPr>
+            <a:spLocks noGrp="1"/>
+          </p:cNvSpPr>
+          <p:nvPr>
+            <p:ph type="ctrTitle"/>
+          </p:nvPr>
+        </p:nvSpPr>
+        <p:spPr/>
+        <p:txBody>
+          <a:bodyPr/>
+          <a:lstStyle/>
+          <a:p>
+            <a:r>
+              <a:rPr lang="en-US" dirty="0"/>
+              <a:t>Hypothesis Testing</a:t>
+            </a:r>
+          </a:p>
+        </p:txBody>
+      </p:sp>
+      <p:sp>
+        <p:nvSpPr>
+          <p:cNvPr id="3" name="Subtitle 2">
+            <a:extLst>
+              <a:ext uri="{FF2B5EF4-FFF2-40B4-BE49-F238E27FC236}">
+                <a16:creationId xmlns:a16="http://schemas.microsoft.com/office/drawing/2014/main" id="{584CDFCE-A045-3745-9428-AAC7367486DC}"/>
+              </a:ext>
+            </a:extLst>
+          </p:cNvPr>
+          <p:cNvSpPr>
+            <a:spLocks noGrp="1"/>
+          </p:cNvSpPr>
+          <p:nvPr>
+            <p:ph type="subTitle" idx="1"/>
+          </p:nvPr>
+        </p:nvSpPr>
+        <p:spPr/>
+        <p:txBody>
+          <a:bodyPr/>
+          <a:lstStyle/>
+          <a:p>
+            <a:r>
+              <a:rPr lang="en-US" dirty="0"/>
+              <a:t>Does it Matter?</a:t>
+            </a:r>
+          </a:p>
+        </p:txBody>
+      </p:sp>
+    </p:spTree>
+    <p:extLst>
+      <p:ext uri="{BB962C8B-B14F-4D97-AF65-F5344CB8AC3E}">
+        <p14:creationId xmlns:p14="http://schemas.microsoft.com/office/powerpoint/2010/main" val="2997218721"/>
+      </p:ext>
+    </p:extLst>
+  </p:cSld>
+  <p:clrMapOvr>
+    <a:masterClrMapping/>
+  </p:clrMapOvr>
+</p:sld>
+</file>
+
+<file path=ppt/slides/slide3.xml><?xml version="1.0" encoding="utf-8"?>
 <p:sld xmlns:a="http://schemas.openxmlformats.org/drawingml/2006/main" xmlns:r="http://schemas.openxmlformats.org/officeDocument/2006/relationships" xmlns:p="http://schemas.openxmlformats.org/presentationml/2006/main">
   <p:cSld>
     <p:bg>
@@ -6300,6 +6290,342 @@
           <p:cNvPr id="2" name="Title 1">
             <a:extLst>
               <a:ext uri="{FF2B5EF4-FFF2-40B4-BE49-F238E27FC236}">
+                <a16:creationId xmlns:a16="http://schemas.microsoft.com/office/drawing/2014/main" id="{E9FB4EAE-8C60-0F48-8E09-4DBF9EFA1A74}"/>
+              </a:ext>
+            </a:extLst>
+          </p:cNvPr>
+          <p:cNvSpPr>
+            <a:spLocks noGrp="1"/>
+          </p:cNvSpPr>
+          <p:nvPr>
+            <p:ph type="title"/>
+          </p:nvPr>
+        </p:nvSpPr>
+        <p:spPr>
+          <a:xfrm>
+            <a:off x="1451579" y="804519"/>
+            <a:ext cx="9603275" cy="1049235"/>
+          </a:xfrm>
+        </p:spPr>
+        <p:txBody>
+          <a:bodyPr>
+            <a:normAutofit/>
+          </a:bodyPr>
+          <a:lstStyle/>
+          <a:p>
+            <a:r>
+              <a:rPr lang="en-US" dirty="0"/>
+              <a:t>It’s Science!!</a:t>
+            </a:r>
+          </a:p>
+        </p:txBody>
+      </p:sp>
+      <p:sp>
+        <p:nvSpPr>
+          <p:cNvPr id="3" name="Content Placeholder 2">
+            <a:extLst>
+              <a:ext uri="{FF2B5EF4-FFF2-40B4-BE49-F238E27FC236}">
+                <a16:creationId xmlns:a16="http://schemas.microsoft.com/office/drawing/2014/main" id="{D95C479D-1CC5-7947-B7C5-85D2EE5E1C65}"/>
+              </a:ext>
+            </a:extLst>
+          </p:cNvPr>
+          <p:cNvSpPr>
+            <a:spLocks noGrp="1"/>
+          </p:cNvSpPr>
+          <p:nvPr>
+            <p:ph idx="1"/>
+          </p:nvPr>
+        </p:nvSpPr>
+        <p:spPr>
+          <a:xfrm>
+            <a:off x="630195" y="2015734"/>
+            <a:ext cx="4934365" cy="3958346"/>
+          </a:xfrm>
+        </p:spPr>
+        <p:txBody>
+          <a:bodyPr>
+            <a:normAutofit/>
+          </a:bodyPr>
+          <a:lstStyle/>
+          <a:p>
+            <a:r>
+              <a:rPr lang="en-US" dirty="0"/>
+              <a:t>At least it is commonly used in science.</a:t>
+            </a:r>
+          </a:p>
+          <a:p>
+            <a:r>
+              <a:rPr lang="en-US" dirty="0"/>
+              <a:t>E.g. Give some people a vaccine</a:t>
+            </a:r>
+          </a:p>
+          <a:p>
+            <a:pPr lvl="1"/>
+            <a:r>
+              <a:rPr lang="en-US" dirty="0"/>
+              <a:t>How many got sick?</a:t>
+            </a:r>
+          </a:p>
+          <a:p>
+            <a:pPr lvl="1"/>
+            <a:r>
+              <a:rPr lang="en-US" dirty="0"/>
+              <a:t>How many didn’t?</a:t>
+            </a:r>
+          </a:p>
+          <a:p>
+            <a:pPr lvl="1"/>
+            <a:r>
+              <a:rPr lang="en-US" dirty="0"/>
+              <a:t>Is the difference significant?</a:t>
+            </a:r>
+          </a:p>
+          <a:p>
+            <a:r>
+              <a:rPr lang="en-US" dirty="0"/>
+              <a:t>Can we state that there’s a difference between two groups? And that difference is due to something real, not chance?</a:t>
+            </a:r>
+          </a:p>
+        </p:txBody>
+      </p:sp>
+      <p:pic>
+        <p:nvPicPr>
+          <p:cNvPr id="1026" name="Picture 2" descr="Hypothesis vs. Theory: The Difference Explained | Merriam-Webster">
+            <a:extLst>
+              <a:ext uri="{FF2B5EF4-FFF2-40B4-BE49-F238E27FC236}">
+                <a16:creationId xmlns:a16="http://schemas.microsoft.com/office/drawing/2014/main" id="{CD8C1DE2-BD67-164B-B905-9C98DA89A777}"/>
+              </a:ext>
+            </a:extLst>
+          </p:cNvPr>
+          <p:cNvPicPr>
+            <a:picLocks noChangeAspect="1" noChangeArrowheads="1"/>
+          </p:cNvPicPr>
+          <p:nvPr/>
+        </p:nvPicPr>
+        <p:blipFill>
+          <a:blip r:embed="rId2">
+            <a:extLst>
+              <a:ext uri="{28A0092B-C50C-407E-A947-70E740481C1C}">
+                <a14:useLocalDpi xmlns:a14="http://schemas.microsoft.com/office/drawing/2010/main" val="0"/>
+              </a:ext>
+            </a:extLst>
+          </a:blip>
+          <a:stretch>
+            <a:fillRect/>
+          </a:stretch>
+        </p:blipFill>
+        <p:spPr bwMode="auto">
+          <a:xfrm>
+            <a:off x="5564560" y="1887421"/>
+            <a:ext cx="6627440" cy="4970579"/>
+          </a:xfrm>
+          <a:prstGeom prst="rect">
+            <a:avLst/>
+          </a:prstGeom>
+          <a:noFill/>
+          <a:extLst>
+            <a:ext uri="{909E8E84-426E-40DD-AFC4-6F175D3DCCD1}">
+              <a14:hiddenFill xmlns:a14="http://schemas.microsoft.com/office/drawing/2010/main">
+                <a:solidFill>
+                  <a:srgbClr val="FFFFFF"/>
+                </a:solidFill>
+              </a14:hiddenFill>
+            </a:ext>
+          </a:extLst>
+        </p:spPr>
+      </p:pic>
+    </p:spTree>
+    <p:extLst>
+      <p:ext uri="{BB962C8B-B14F-4D97-AF65-F5344CB8AC3E}">
+        <p14:creationId xmlns:p14="http://schemas.microsoft.com/office/powerpoint/2010/main" val="3552808515"/>
+      </p:ext>
+    </p:extLst>
+  </p:cSld>
+  <p:clrMapOvr>
+    <a:masterClrMapping/>
+  </p:clrMapOvr>
+</p:sld>
+</file>
+
+<file path=ppt/slides/slide4.xml><?xml version="1.0" encoding="utf-8"?>
+<p:sld xmlns:a="http://schemas.openxmlformats.org/drawingml/2006/main" xmlns:r="http://schemas.openxmlformats.org/officeDocument/2006/relationships" xmlns:p="http://schemas.openxmlformats.org/presentationml/2006/main">
+  <p:cSld>
+    <p:spTree>
+      <p:nvGrpSpPr>
+        <p:cNvPr id="1" name=""/>
+        <p:cNvGrpSpPr/>
+        <p:nvPr/>
+      </p:nvGrpSpPr>
+      <p:grpSpPr>
+        <a:xfrm>
+          <a:off x="0" y="0"/>
+          <a:ext cx="0" cy="0"/>
+          <a:chOff x="0" y="0"/>
+          <a:chExt cx="0" cy="0"/>
+        </a:xfrm>
+      </p:grpSpPr>
+      <p:sp>
+        <p:nvSpPr>
+          <p:cNvPr id="2" name="Title 1">
+            <a:extLst>
+              <a:ext uri="{FF2B5EF4-FFF2-40B4-BE49-F238E27FC236}">
+                <a16:creationId xmlns:a16="http://schemas.microsoft.com/office/drawing/2014/main" id="{C50F3542-1AAB-334C-906A-F8224315790B}"/>
+              </a:ext>
+            </a:extLst>
+          </p:cNvPr>
+          <p:cNvSpPr>
+            <a:spLocks noGrp="1"/>
+          </p:cNvSpPr>
+          <p:nvPr>
+            <p:ph type="title"/>
+          </p:nvPr>
+        </p:nvSpPr>
+        <p:spPr/>
+        <p:txBody>
+          <a:bodyPr/>
+          <a:lstStyle/>
+          <a:p>
+            <a:r>
+              <a:rPr lang="en-US" dirty="0"/>
+              <a:t>Hypothesis Tests </a:t>
+            </a:r>
+          </a:p>
+        </p:txBody>
+      </p:sp>
+      <p:sp>
+        <p:nvSpPr>
+          <p:cNvPr id="3" name="Content Placeholder 2">
+            <a:extLst>
+              <a:ext uri="{FF2B5EF4-FFF2-40B4-BE49-F238E27FC236}">
+                <a16:creationId xmlns:a16="http://schemas.microsoft.com/office/drawing/2014/main" id="{A73972D4-87BF-8740-8AD4-96E77B0CD030}"/>
+              </a:ext>
+            </a:extLst>
+          </p:cNvPr>
+          <p:cNvSpPr>
+            <a:spLocks noGrp="1"/>
+          </p:cNvSpPr>
+          <p:nvPr>
+            <p:ph idx="1"/>
+          </p:nvPr>
+        </p:nvSpPr>
+        <p:spPr>
+          <a:xfrm>
+            <a:off x="1137146" y="1853754"/>
+            <a:ext cx="10455413" cy="4303206"/>
+          </a:xfrm>
+        </p:spPr>
+        <p:txBody>
+          <a:bodyPr>
+            <a:normAutofit/>
+          </a:bodyPr>
+          <a:lstStyle/>
+          <a:p>
+            <a:r>
+              <a:rPr lang="en-US" dirty="0"/>
+              <a:t>Notice a difference (effect) in data, test to see if is “real”, or due to variation. </a:t>
+            </a:r>
+          </a:p>
+          <a:p>
+            <a:r>
+              <a:rPr lang="en-US" dirty="0"/>
+              <a:t>Real can be highly situation dependent:</a:t>
+            </a:r>
+          </a:p>
+          <a:p>
+            <a:pPr lvl="1"/>
+            <a:r>
+              <a:rPr lang="en-US" dirty="0"/>
+              <a:t>Different situations yield different criteria. </a:t>
+            </a:r>
+          </a:p>
+          <a:p>
+            <a:endParaRPr lang="en-US" dirty="0"/>
+          </a:p>
+          <a:p>
+            <a:r>
+              <a:rPr lang="en-US" dirty="0"/>
+              <a:t>Problem – there’s no definitive way to go from probabilities and results of samples to definitive declarations for an entire population. We are always making an inference, not showing a law. </a:t>
+            </a:r>
+          </a:p>
+          <a:p>
+            <a:r>
+              <a:rPr lang="en-US" dirty="0"/>
+              <a:t>Reliable conclusions will require domain knowledge, and likely more than one calc. </a:t>
+            </a:r>
+          </a:p>
+          <a:p>
+            <a:r>
+              <a:rPr lang="en-US" dirty="0"/>
+              <a:t>All of these things are “ways to demonstrate a difference”, not absolute rules. </a:t>
+            </a:r>
+          </a:p>
+          <a:p>
+            <a:r>
+              <a:rPr lang="en-US" dirty="0"/>
+              <a:t>Similar to predictions later – we are stating a conclusion, and offering evidence of its truth. </a:t>
+            </a:r>
+          </a:p>
+        </p:txBody>
+      </p:sp>
+    </p:spTree>
+    <p:extLst>
+      <p:ext uri="{BB962C8B-B14F-4D97-AF65-F5344CB8AC3E}">
+        <p14:creationId xmlns:p14="http://schemas.microsoft.com/office/powerpoint/2010/main" val="2641840238"/>
+      </p:ext>
+    </p:extLst>
+  </p:cSld>
+  <p:clrMapOvr>
+    <a:masterClrMapping/>
+  </p:clrMapOvr>
+</p:sld>
+</file>
+
+<file path=ppt/slides/slide5.xml><?xml version="1.0" encoding="utf-8"?>
+<p:sld xmlns:a="http://schemas.openxmlformats.org/drawingml/2006/main" xmlns:r="http://schemas.openxmlformats.org/officeDocument/2006/relationships" xmlns:p="http://schemas.openxmlformats.org/presentationml/2006/main">
+  <p:cSld>
+    <p:bg>
+      <p:bgPr>
+        <a:gradFill rotWithShape="1">
+          <a:gsLst>
+            <a:gs pos="0">
+              <a:schemeClr val="bg2">
+                <a:tint val="94000"/>
+                <a:satMod val="80000"/>
+                <a:lumMod val="106000"/>
+              </a:schemeClr>
+            </a:gs>
+            <a:gs pos="100000">
+              <a:schemeClr val="bg2">
+                <a:shade val="80000"/>
+              </a:schemeClr>
+            </a:gs>
+          </a:gsLst>
+          <a:path path="circle">
+            <a:fillToRect l="43000" r="43000" b="100000"/>
+          </a:path>
+        </a:gradFill>
+        <a:effectLst/>
+      </p:bgPr>
+    </p:bg>
+    <p:spTree>
+      <p:nvGrpSpPr>
+        <p:cNvPr id="1" name=""/>
+        <p:cNvGrpSpPr/>
+        <p:nvPr/>
+      </p:nvGrpSpPr>
+      <p:grpSpPr>
+        <a:xfrm>
+          <a:off x="0" y="0"/>
+          <a:ext cx="0" cy="0"/>
+          <a:chOff x="0" y="0"/>
+          <a:chExt cx="0" cy="0"/>
+        </a:xfrm>
+      </p:grpSpPr>
+      <p:sp>
+        <p:nvSpPr>
+          <p:cNvPr id="2" name="Title 1">
+            <a:extLst>
+              <a:ext uri="{FF2B5EF4-FFF2-40B4-BE49-F238E27FC236}">
                 <a16:creationId xmlns:a16="http://schemas.microsoft.com/office/drawing/2014/main" id="{1043841F-69FE-3249-BD4A-C67CCDF98C90}"/>
               </a:ext>
             </a:extLst>
@@ -6439,7 +6765,7 @@
 </p:sld>
 </file>
 
-<file path=ppt/slides/slide5.xml><?xml version="1.0" encoding="utf-8"?>
+<file path=ppt/slides/slide6.xml><?xml version="1.0" encoding="utf-8"?>
 <p:sld xmlns:a="http://schemas.openxmlformats.org/drawingml/2006/main" xmlns:r="http://schemas.openxmlformats.org/officeDocument/2006/relationships" xmlns:p="http://schemas.openxmlformats.org/presentationml/2006/main">
   <p:cSld>
     <p:spTree>
@@ -6502,13 +6828,28 @@
         </p:nvSpPr>
         <p:spPr>
           <a:xfrm>
-            <a:off x="1250577" y="2015732"/>
-            <a:ext cx="10058400" cy="3450613"/>
-          </a:xfrm>
-        </p:spPr>
-        <p:txBody>
-          <a:bodyPr/>
-          <a:lstStyle/>
+            <a:off x="1250577" y="1853754"/>
+            <a:ext cx="10058400" cy="4336839"/>
+          </a:xfrm>
+        </p:spPr>
+        <p:txBody>
+          <a:bodyPr>
+            <a:normAutofit/>
+          </a:bodyPr>
+          <a:lstStyle/>
+          <a:p>
+            <a:r>
+              <a:rPr lang="en-US" dirty="0"/>
+              <a:t>A hypothesis test will seek to answer if two samples that show a difference have that difference due to real effects, or random variation. </a:t>
+            </a:r>
+          </a:p>
+          <a:p>
+            <a:pPr lvl="1"/>
+            <a:r>
+              <a:rPr lang="en-US" dirty="0"/>
+              <a:t>A.K.A. did these two samples come from the same population. </a:t>
+            </a:r>
+          </a:p>
           <a:p>
             <a:r>
               <a:rPr lang="en-US" dirty="0"/>
@@ -6531,6 +6872,13 @@
             <a:r>
               <a:rPr lang="en-US" dirty="0"/>
               <a:t>Compare to the cutoff (alpha) – if the p-value is smaller, we can reject the NH, therefore the difference is statistically significant. </a:t>
+            </a:r>
+          </a:p>
+          <a:p>
+            <a:pPr lvl="1"/>
+            <a:r>
+              <a:rPr lang="en-US" dirty="0"/>
+              <a:t>A.K.A. how likely is that that the two samples are from the same pop, and the difference in their means is just random variation. </a:t>
             </a:r>
           </a:p>
           <a:p>
@@ -6551,7 +6899,7 @@
 </p:sld>
 </file>
 
-<file path=ppt/slides/slide6.xml><?xml version="1.0" encoding="utf-8"?>
+<file path=ppt/slides/slide7.xml><?xml version="1.0" encoding="utf-8"?>
 <p:sld xmlns:a="http://schemas.openxmlformats.org/drawingml/2006/main" xmlns:r="http://schemas.openxmlformats.org/officeDocument/2006/relationships" xmlns:p="http://schemas.openxmlformats.org/presentationml/2006/main">
   <p:cSld>
     <p:spTree>
@@ -6678,7 +7026,7 @@
 </p:sld>
 </file>
 
-<file path=ppt/slides/slide7.xml><?xml version="1.0" encoding="utf-8"?>
+<file path=ppt/slides/slide8.xml><?xml version="1.0" encoding="utf-8"?>
 <p:sld xmlns:a="http://schemas.openxmlformats.org/drawingml/2006/main" xmlns:r="http://schemas.openxmlformats.org/officeDocument/2006/relationships" xmlns:p="http://schemas.openxmlformats.org/presentationml/2006/main" show="0">
   <p:cSld>
     <p:spTree>
@@ -6805,127 +7153,6 @@
 </p:sld>
 </file>
 
-<file path=ppt/slides/slide8.xml><?xml version="1.0" encoding="utf-8"?>
-<p:sld xmlns:a="http://schemas.openxmlformats.org/drawingml/2006/main" xmlns:r="http://schemas.openxmlformats.org/officeDocument/2006/relationships" xmlns:p="http://schemas.openxmlformats.org/presentationml/2006/main">
-  <p:cSld>
-    <p:spTree>
-      <p:nvGrpSpPr>
-        <p:cNvPr id="1" name=""/>
-        <p:cNvGrpSpPr/>
-        <p:nvPr/>
-      </p:nvGrpSpPr>
-      <p:grpSpPr>
-        <a:xfrm>
-          <a:off x="0" y="0"/>
-          <a:ext cx="0" cy="0"/>
-          <a:chOff x="0" y="0"/>
-          <a:chExt cx="0" cy="0"/>
-        </a:xfrm>
-      </p:grpSpPr>
-      <p:sp>
-        <p:nvSpPr>
-          <p:cNvPr id="2" name="Title 1">
-            <a:extLst>
-              <a:ext uri="{FF2B5EF4-FFF2-40B4-BE49-F238E27FC236}">
-                <a16:creationId xmlns:a16="http://schemas.microsoft.com/office/drawing/2014/main" id="{A80E8ED4-C6ED-754F-9599-EBCA2583D433}"/>
-              </a:ext>
-            </a:extLst>
-          </p:cNvPr>
-          <p:cNvSpPr>
-            <a:spLocks noGrp="1"/>
-          </p:cNvSpPr>
-          <p:nvPr>
-            <p:ph type="title"/>
-          </p:nvPr>
-        </p:nvSpPr>
-        <p:spPr/>
-        <p:txBody>
-          <a:bodyPr/>
-          <a:lstStyle/>
-          <a:p>
-            <a:r>
-              <a:rPr lang="en-US" dirty="0"/>
-              <a:t>T-Tests</a:t>
-            </a:r>
-          </a:p>
-        </p:txBody>
-      </p:sp>
-      <p:sp>
-        <p:nvSpPr>
-          <p:cNvPr id="3" name="Content Placeholder 2">
-            <a:extLst>
-              <a:ext uri="{FF2B5EF4-FFF2-40B4-BE49-F238E27FC236}">
-                <a16:creationId xmlns:a16="http://schemas.microsoft.com/office/drawing/2014/main" id="{2C609283-AF97-CC4E-8FA2-931D43BA5317}"/>
-              </a:ext>
-            </a:extLst>
-          </p:cNvPr>
-          <p:cNvSpPr>
-            <a:spLocks noGrp="1"/>
-          </p:cNvSpPr>
-          <p:nvPr>
-            <p:ph idx="1"/>
-          </p:nvPr>
-        </p:nvSpPr>
-        <p:spPr>
-          <a:xfrm>
-            <a:off x="1451579" y="2015732"/>
-            <a:ext cx="9603275" cy="4037749"/>
-          </a:xfrm>
-        </p:spPr>
-        <p:txBody>
-          <a:bodyPr/>
-          <a:lstStyle/>
-          <a:p>
-            <a:r>
-              <a:rPr lang="en-US" dirty="0"/>
-              <a:t>T-tests allow us to make an estimate of, “is this difference likely real, or could it be due to chance?”</a:t>
-            </a:r>
-          </a:p>
-          <a:p>
-            <a:r>
-              <a:rPr lang="en-US" dirty="0"/>
-              <a:t>Extremely common in basic stats and scientific papers/reports. </a:t>
-            </a:r>
-          </a:p>
-          <a:p>
-            <a:r>
-              <a:rPr lang="en-US" dirty="0"/>
-              <a:t>Weakness – subject to manipulation, becoming less relied on over time. </a:t>
-            </a:r>
-          </a:p>
-          <a:p>
-            <a:r>
-              <a:rPr lang="en-US" dirty="0"/>
-              <a:t>One sample – tests mean against some value.</a:t>
-            </a:r>
-          </a:p>
-          <a:p>
-            <a:r>
-              <a:rPr lang="en-US" dirty="0"/>
-              <a:t>Two sample – tests two means against each other. </a:t>
-            </a:r>
-          </a:p>
-          <a:p>
-            <a:r>
-              <a:rPr lang="en-US" dirty="0"/>
-              <a:t>Sidedness - One side tests if lesser/greater, two-sided tests if different at all. </a:t>
-            </a:r>
-          </a:p>
-        </p:txBody>
-      </p:sp>
-    </p:spTree>
-    <p:extLst>
-      <p:ext uri="{BB962C8B-B14F-4D97-AF65-F5344CB8AC3E}">
-        <p14:creationId xmlns:p14="http://schemas.microsoft.com/office/powerpoint/2010/main" val="201004784"/>
-      </p:ext>
-    </p:extLst>
-  </p:cSld>
-  <p:clrMapOvr>
-    <a:masterClrMapping/>
-  </p:clrMapOvr>
-</p:sld>
-</file>
-
 <file path=ppt/slides/slide9.xml><?xml version="1.0" encoding="utf-8"?>
 <p:sld xmlns:a="http://schemas.openxmlformats.org/drawingml/2006/main" xmlns:r="http://schemas.openxmlformats.org/officeDocument/2006/relationships" xmlns:p="http://schemas.openxmlformats.org/presentationml/2006/main">
   <p:cSld>
@@ -6945,10 +7172,10 @@
       </p:grpSpPr>
       <p:sp>
         <p:nvSpPr>
-          <p:cNvPr id="4" name="Title 3">
+          <p:cNvPr id="2" name="Title 1">
             <a:extLst>
               <a:ext uri="{FF2B5EF4-FFF2-40B4-BE49-F238E27FC236}">
-                <a16:creationId xmlns:a16="http://schemas.microsoft.com/office/drawing/2014/main" id="{93D8206E-559D-CE45-85C5-85695AB37A13}"/>
+                <a16:creationId xmlns:a16="http://schemas.microsoft.com/office/drawing/2014/main" id="{A80E8ED4-C6ED-754F-9599-EBCA2583D433}"/>
               </a:ext>
             </a:extLst>
           </p:cNvPr>
@@ -6964,16 +7191,19 @@
           <a:bodyPr/>
           <a:lstStyle/>
           <a:p>
-            <a:endParaRPr lang="en-US"/>
-          </a:p>
-        </p:txBody>
-      </p:sp>
-      <p:sp>
-        <p:nvSpPr>
-          <p:cNvPr id="5" name="Content Placeholder 4">
+            <a:r>
+              <a:rPr lang="en-US" dirty="0"/>
+              <a:t>T-Tests</a:t>
+            </a:r>
+          </a:p>
+        </p:txBody>
+      </p:sp>
+      <p:sp>
+        <p:nvSpPr>
+          <p:cNvPr id="3" name="Content Placeholder 2">
             <a:extLst>
               <a:ext uri="{FF2B5EF4-FFF2-40B4-BE49-F238E27FC236}">
-                <a16:creationId xmlns:a16="http://schemas.microsoft.com/office/drawing/2014/main" id="{40E82067-9C80-8E4E-ABC3-85AB34A50B0A}"/>
+                <a16:creationId xmlns:a16="http://schemas.microsoft.com/office/drawing/2014/main" id="{2C609283-AF97-CC4E-8FA2-931D43BA5317}"/>
               </a:ext>
             </a:extLst>
           </p:cNvPr>
@@ -6981,141 +7211,76 @@
             <a:spLocks noGrp="1"/>
           </p:cNvSpPr>
           <p:nvPr>
-            <p:ph sz="half" idx="1"/>
-          </p:nvPr>
-        </p:nvSpPr>
-        <p:spPr/>
-        <p:txBody>
-          <a:bodyPr/>
-          <a:lstStyle/>
-          <a:p>
-            <a:endParaRPr lang="en-US"/>
-          </a:p>
-        </p:txBody>
-      </p:sp>
-      <p:sp>
-        <p:nvSpPr>
-          <p:cNvPr id="6" name="Content Placeholder 5">
-            <a:extLst>
-              <a:ext uri="{FF2B5EF4-FFF2-40B4-BE49-F238E27FC236}">
-                <a16:creationId xmlns:a16="http://schemas.microsoft.com/office/drawing/2014/main" id="{9DFA7AFC-CBC7-3E4A-B817-222F190353DB}"/>
-              </a:ext>
-            </a:extLst>
-          </p:cNvPr>
-          <p:cNvSpPr>
-            <a:spLocks noGrp="1"/>
-          </p:cNvSpPr>
-          <p:nvPr>
-            <p:ph sz="half" idx="2"/>
-          </p:nvPr>
-        </p:nvSpPr>
-        <p:spPr/>
-        <p:txBody>
-          <a:bodyPr/>
-          <a:lstStyle/>
-          <a:p>
-            <a:endParaRPr lang="en-US"/>
-          </a:p>
-        </p:txBody>
-      </p:sp>
-      <p:pic>
-        <p:nvPicPr>
-          <p:cNvPr id="5122" name="Picture 2">
-            <a:extLst>
-              <a:ext uri="{FF2B5EF4-FFF2-40B4-BE49-F238E27FC236}">
-                <a16:creationId xmlns:a16="http://schemas.microsoft.com/office/drawing/2014/main" id="{C87F644B-A903-D247-8667-BB7C3B8C95CA}"/>
-              </a:ext>
-            </a:extLst>
-          </p:cNvPr>
-          <p:cNvPicPr>
-            <a:picLocks noChangeAspect="1" noChangeArrowheads="1"/>
-          </p:cNvPicPr>
-          <p:nvPr/>
-        </p:nvPicPr>
-        <p:blipFill>
-          <a:blip r:embed="rId2">
-            <a:extLst>
-              <a:ext uri="{28A0092B-C50C-407E-A947-70E740481C1C}">
-                <a14:useLocalDpi xmlns:a14="http://schemas.microsoft.com/office/drawing/2010/main" val="0"/>
-              </a:ext>
-            </a:extLst>
-          </a:blip>
-          <a:srcRect/>
-          <a:stretch>
-            <a:fillRect/>
-          </a:stretch>
-        </p:blipFill>
-        <p:spPr bwMode="auto">
-          <a:xfrm>
-            <a:off x="0" y="-241300"/>
-            <a:ext cx="7416800" cy="3670300"/>
-          </a:xfrm>
-          <a:prstGeom prst="rect">
-            <a:avLst/>
-          </a:prstGeom>
-          <a:noFill/>
-          <a:extLst>
-            <a:ext uri="{909E8E84-426E-40DD-AFC4-6F175D3DCCD1}">
-              <a14:hiddenFill xmlns:a14="http://schemas.microsoft.com/office/drawing/2010/main">
-                <a:solidFill>
-                  <a:srgbClr val="FFFFFF"/>
-                </a:solidFill>
-              </a14:hiddenFill>
-            </a:ext>
-          </a:extLst>
-        </p:spPr>
-      </p:pic>
-      <p:pic>
-        <p:nvPicPr>
-          <p:cNvPr id="5124" name="Picture 4">
-            <a:extLst>
-              <a:ext uri="{FF2B5EF4-FFF2-40B4-BE49-F238E27FC236}">
-                <a16:creationId xmlns:a16="http://schemas.microsoft.com/office/drawing/2014/main" id="{97187806-CB83-874B-8736-4A0895D65308}"/>
-              </a:ext>
-            </a:extLst>
-          </p:cNvPr>
-          <p:cNvPicPr>
-            <a:picLocks noChangeAspect="1" noChangeArrowheads="1"/>
-          </p:cNvPicPr>
-          <p:nvPr/>
-        </p:nvPicPr>
-        <p:blipFill>
-          <a:blip r:embed="rId3">
-            <a:extLst>
-              <a:ext uri="{28A0092B-C50C-407E-A947-70E740481C1C}">
-                <a14:useLocalDpi xmlns:a14="http://schemas.microsoft.com/office/drawing/2010/main" val="0"/>
-              </a:ext>
-            </a:extLst>
-          </a:blip>
-          <a:srcRect/>
-          <a:stretch>
-            <a:fillRect/>
-          </a:stretch>
-        </p:blipFill>
-        <p:spPr bwMode="auto">
-          <a:xfrm>
-            <a:off x="4675740" y="3165007"/>
-            <a:ext cx="7569200" cy="3657600"/>
-          </a:xfrm>
-          <a:prstGeom prst="rect">
-            <a:avLst/>
-          </a:prstGeom>
-          <a:noFill/>
-          <a:extLst>
-            <a:ext uri="{909E8E84-426E-40DD-AFC4-6F175D3DCCD1}">
-              <a14:hiddenFill xmlns:a14="http://schemas.microsoft.com/office/drawing/2010/main">
-                <a:solidFill>
-                  <a:srgbClr val="FFFFFF"/>
-                </a:solidFill>
-              </a14:hiddenFill>
-            </a:ext>
-          </a:extLst>
-        </p:spPr>
-      </p:pic>
+            <p:ph idx="1"/>
+          </p:nvPr>
+        </p:nvSpPr>
+        <p:spPr>
+          <a:xfrm>
+            <a:off x="1451579" y="1853754"/>
+            <a:ext cx="9603275" cy="4199727"/>
+          </a:xfrm>
+        </p:spPr>
+        <p:txBody>
+          <a:bodyPr>
+            <a:normAutofit/>
+          </a:bodyPr>
+          <a:lstStyle/>
+          <a:p>
+            <a:r>
+              <a:rPr lang="en-US" dirty="0"/>
+              <a:t>T-tests allow us to make an estimate of, “is this difference likely real, or could it be due to chance?”</a:t>
+            </a:r>
+          </a:p>
+          <a:p>
+            <a:r>
+              <a:rPr lang="en-US" dirty="0"/>
+              <a:t>Extremely common in basic stats and scientific papers/reports. </a:t>
+            </a:r>
+          </a:p>
+          <a:p>
+            <a:r>
+              <a:rPr lang="en-US" dirty="0"/>
+              <a:t>Weakness – subject to manipulation, becoming less relied on over time. </a:t>
+            </a:r>
+          </a:p>
+          <a:p>
+            <a:r>
+              <a:rPr lang="en-US" dirty="0"/>
+              <a:t>One sample – tests mean against some value.</a:t>
+            </a:r>
+          </a:p>
+          <a:p>
+            <a:r>
+              <a:rPr lang="en-US" dirty="0"/>
+              <a:t>Two sample – tests two means against each other. </a:t>
+            </a:r>
+          </a:p>
+          <a:p>
+            <a:r>
+              <a:rPr lang="en-US" dirty="0"/>
+              <a:t>Sidedness:</a:t>
+            </a:r>
+          </a:p>
+          <a:p>
+            <a:pPr lvl="1"/>
+            <a:r>
+              <a:rPr lang="en-US" dirty="0"/>
+              <a:t>One side tests if lesser/greater.</a:t>
+            </a:r>
+          </a:p>
+          <a:p>
+            <a:pPr lvl="1"/>
+            <a:r>
+              <a:rPr lang="en-US" dirty="0"/>
+              <a:t>Two-sided tests if different at all. </a:t>
+            </a:r>
+          </a:p>
+        </p:txBody>
+      </p:sp>
     </p:spTree>
     <p:extLst>
       <p:ext uri="{BB962C8B-B14F-4D97-AF65-F5344CB8AC3E}">
-        <p14:creationId xmlns:p14="http://schemas.microsoft.com/office/powerpoint/2010/main" val="3073410795"/>
+        <p14:creationId xmlns:p14="http://schemas.microsoft.com/office/powerpoint/2010/main" val="201004784"/>
       </p:ext>
     </p:extLst>
   </p:cSld>
